--- a/Classifying Credit Card Users/Classifying Credit Card Users.pptx
+++ b/Classifying Credit Card Users/Classifying Credit Card Users.pptx
@@ -2118,7 +2118,7 @@
           </a:ln>
           <a:extLst>
             <a:ext uri="{C572A759-6A51-4108-AA02-DFA0A04FC94B}">
-              <ma14:wrappingTextBoxFlag xmlns:ma14="http://schemas.microsoft.com/office/mac/drawingml/2011/main" xmlns:a14="http://schemas.microsoft.com/office/drawing/2010/main" xmlns:m="http://schemas.openxmlformats.org/officeDocument/2006/math" xmlns="" val="1"/>
+              <ma14:wrappingTextBoxFlag xmlns="" xmlns:m="http://schemas.openxmlformats.org/officeDocument/2006/math" xmlns:a14="http://schemas.microsoft.com/office/drawing/2010/main" xmlns:ma14="http://schemas.microsoft.com/office/mac/drawingml/2011/main" val="1"/>
             </a:ext>
           </a:extLst>
         </p:spPr>
@@ -2157,7 +2157,7 @@
           </a:ln>
           <a:extLst>
             <a:ext uri="{C572A759-6A51-4108-AA02-DFA0A04FC94B}">
-              <ma14:wrappingTextBoxFlag xmlns:ma14="http://schemas.microsoft.com/office/mac/drawingml/2011/main" xmlns:a14="http://schemas.microsoft.com/office/drawing/2010/main" xmlns:m="http://schemas.openxmlformats.org/officeDocument/2006/math" xmlns="" val="1"/>
+              <ma14:wrappingTextBoxFlag xmlns="" xmlns:m="http://schemas.openxmlformats.org/officeDocument/2006/math" xmlns:a14="http://schemas.microsoft.com/office/drawing/2010/main" xmlns:ma14="http://schemas.microsoft.com/office/mac/drawingml/2011/main" val="1"/>
             </a:ext>
           </a:extLst>
         </p:spPr>
@@ -3004,7 +3004,7 @@
           </a:ln>
           <a:extLst>
             <a:ext uri="{C572A759-6A51-4108-AA02-DFA0A04FC94B}">
-              <ma14:wrappingTextBoxFlag xmlns:ma14="http://schemas.microsoft.com/office/mac/drawingml/2011/main" xmlns:a14="http://schemas.microsoft.com/office/drawing/2010/main" xmlns:m="http://schemas.openxmlformats.org/officeDocument/2006/math" xmlns="" val="1"/>
+              <ma14:wrappingTextBoxFlag xmlns="" xmlns:m="http://schemas.openxmlformats.org/officeDocument/2006/math" xmlns:a14="http://schemas.microsoft.com/office/drawing/2010/main" xmlns:ma14="http://schemas.microsoft.com/office/mac/drawingml/2011/main" val="1"/>
             </a:ext>
           </a:extLst>
         </p:spPr>
@@ -3056,7 +3056,7 @@
         <p:spPr>
           <a:xfrm>
             <a:off x="1798101" y="9190088"/>
-            <a:ext cx="9979989" cy="358141"/>
+            <a:ext cx="9979989" cy="384721"/>
           </a:xfrm>
           <a:prstGeom prst="rect">
             <a:avLst/>
@@ -3066,7 +3066,7 @@
           </a:ln>
           <a:extLst>
             <a:ext uri="{C572A759-6A51-4108-AA02-DFA0A04FC94B}">
-              <ma14:wrappingTextBoxFlag xmlns:ma14="http://schemas.microsoft.com/office/mac/drawingml/2011/main" xmlns:a14="http://schemas.microsoft.com/office/drawing/2010/main" xmlns:m="http://schemas.openxmlformats.org/officeDocument/2006/math" xmlns="" val="1"/>
+              <ma14:wrappingTextBoxFlag xmlns="" xmlns:m="http://schemas.openxmlformats.org/officeDocument/2006/math" xmlns:a14="http://schemas.microsoft.com/office/drawing/2010/main" xmlns:ma14="http://schemas.microsoft.com/office/mac/drawingml/2011/main" val="1"/>
             </a:ext>
           </a:extLst>
         </p:spPr>
@@ -3088,8 +3088,30 @@
               </a:defRPr>
             </a:pPr>
             <a:r>
-              <a:t>Zero-base 1팀 /  김경훈, 목해민, 안선경, 윤세종, 이선명</a:t>
+              <a:rPr dirty="0"/>
+              <a:t>Zero-base 1팀 /  </a:t>
             </a:r>
+            <a:r>
+              <a:rPr dirty="0" err="1"/>
+              <a:t>김경훈</a:t>
+            </a:r>
+            <a:r>
+              <a:rPr dirty="0"/>
+              <a:t>, </a:t>
+            </a:r>
+            <a:r>
+              <a:rPr dirty="0" err="1"/>
+              <a:t>안선경</a:t>
+            </a:r>
+            <a:r>
+              <a:rPr dirty="0"/>
+              <a:t>, </a:t>
+            </a:r>
+            <a:r>
+              <a:rPr dirty="0" err="1"/>
+              <a:t>윤세종</a:t>
+            </a:r>
+            <a:endParaRPr dirty="0"/>
           </a:p>
         </p:txBody>
       </p:sp>
@@ -3192,7 +3214,7 @@
           </a:ln>
           <a:extLst>
             <a:ext uri="{C572A759-6A51-4108-AA02-DFA0A04FC94B}">
-              <ma14:wrappingTextBoxFlag xmlns:ma14="http://schemas.microsoft.com/office/mac/drawingml/2011/main" xmlns:a14="http://schemas.microsoft.com/office/drawing/2010/main" xmlns:m="http://schemas.openxmlformats.org/officeDocument/2006/math" xmlns="" val="1"/>
+              <ma14:wrappingTextBoxFlag xmlns="" xmlns:m="http://schemas.openxmlformats.org/officeDocument/2006/math" xmlns:a14="http://schemas.microsoft.com/office/drawing/2010/main" xmlns:ma14="http://schemas.microsoft.com/office/mac/drawingml/2011/main" val="1"/>
             </a:ext>
           </a:extLst>
         </p:spPr>
@@ -3250,7 +3272,7 @@
           </a:ln>
           <a:extLst>
             <a:ext uri="{C572A759-6A51-4108-AA02-DFA0A04FC94B}">
-              <ma14:wrappingTextBoxFlag xmlns:ma14="http://schemas.microsoft.com/office/mac/drawingml/2011/main" xmlns:a14="http://schemas.microsoft.com/office/drawing/2010/main" xmlns:m="http://schemas.openxmlformats.org/officeDocument/2006/math" xmlns="" val="1"/>
+              <ma14:wrappingTextBoxFlag xmlns="" xmlns:m="http://schemas.openxmlformats.org/officeDocument/2006/math" xmlns:a14="http://schemas.microsoft.com/office/drawing/2010/main" xmlns:ma14="http://schemas.microsoft.com/office/mac/drawingml/2011/main" val="1"/>
             </a:ext>
           </a:extLst>
         </p:spPr>
@@ -3297,7 +3319,7 @@
           </a:ln>
           <a:extLst>
             <a:ext uri="{C572A759-6A51-4108-AA02-DFA0A04FC94B}">
-              <ma14:wrappingTextBoxFlag xmlns:ma14="http://schemas.microsoft.com/office/mac/drawingml/2011/main" xmlns:a14="http://schemas.microsoft.com/office/drawing/2010/main" xmlns:m="http://schemas.openxmlformats.org/officeDocument/2006/math" xmlns="" val="1"/>
+              <ma14:wrappingTextBoxFlag xmlns="" xmlns:m="http://schemas.openxmlformats.org/officeDocument/2006/math" xmlns:a14="http://schemas.microsoft.com/office/drawing/2010/main" xmlns:ma14="http://schemas.microsoft.com/office/mac/drawingml/2011/main" val="1"/>
             </a:ext>
           </a:extLst>
         </p:spPr>
@@ -3344,7 +3366,7 @@
           </a:ln>
           <a:extLst>
             <a:ext uri="{C572A759-6A51-4108-AA02-DFA0A04FC94B}">
-              <ma14:wrappingTextBoxFlag xmlns:ma14="http://schemas.microsoft.com/office/mac/drawingml/2011/main" xmlns:a14="http://schemas.microsoft.com/office/drawing/2010/main" xmlns:m="http://schemas.openxmlformats.org/officeDocument/2006/math" xmlns="" val="1"/>
+              <ma14:wrappingTextBoxFlag xmlns="" xmlns:m="http://schemas.openxmlformats.org/officeDocument/2006/math" xmlns:a14="http://schemas.microsoft.com/office/drawing/2010/main" xmlns:ma14="http://schemas.microsoft.com/office/mac/drawingml/2011/main" val="1"/>
             </a:ext>
           </a:extLst>
         </p:spPr>
@@ -3554,7 +3576,7 @@
             <a:effectLst/>
             <a:extLst>
               <a:ext uri="{C572A759-6A51-4108-AA02-DFA0A04FC94B}">
-                <ma14:wrappingTextBoxFlag xmlns:ma14="http://schemas.microsoft.com/office/mac/drawingml/2011/main" xmlns:a14="http://schemas.microsoft.com/office/drawing/2010/main" xmlns:m="http://schemas.openxmlformats.org/officeDocument/2006/math" xmlns="" val="1"/>
+                <ma14:wrappingTextBoxFlag xmlns="" xmlns:m="http://schemas.openxmlformats.org/officeDocument/2006/math" xmlns:a14="http://schemas.microsoft.com/office/drawing/2010/main" xmlns:ma14="http://schemas.microsoft.com/office/mac/drawingml/2011/main" val="1"/>
               </a:ext>
             </a:extLst>
           </p:spPr>
@@ -3650,7 +3672,7 @@
           </a:ln>
           <a:extLst>
             <a:ext uri="{C572A759-6A51-4108-AA02-DFA0A04FC94B}">
-              <ma14:wrappingTextBoxFlag xmlns:ma14="http://schemas.microsoft.com/office/mac/drawingml/2011/main" xmlns:a14="http://schemas.microsoft.com/office/drawing/2010/main" xmlns:m="http://schemas.openxmlformats.org/officeDocument/2006/math" xmlns="" val="1"/>
+              <ma14:wrappingTextBoxFlag xmlns="" xmlns:m="http://schemas.openxmlformats.org/officeDocument/2006/math" xmlns:a14="http://schemas.microsoft.com/office/drawing/2010/main" xmlns:ma14="http://schemas.microsoft.com/office/mac/drawingml/2011/main" val="1"/>
             </a:ext>
           </a:extLst>
         </p:spPr>
@@ -3708,7 +3730,7 @@
           </a:ln>
           <a:extLst>
             <a:ext uri="{C572A759-6A51-4108-AA02-DFA0A04FC94B}">
-              <ma14:wrappingTextBoxFlag xmlns:ma14="http://schemas.microsoft.com/office/mac/drawingml/2011/main" xmlns:a14="http://schemas.microsoft.com/office/drawing/2010/main" xmlns:m="http://schemas.openxmlformats.org/officeDocument/2006/math" xmlns="" val="1"/>
+              <ma14:wrappingTextBoxFlag xmlns="" xmlns:m="http://schemas.openxmlformats.org/officeDocument/2006/math" xmlns:a14="http://schemas.microsoft.com/office/drawing/2010/main" xmlns:ma14="http://schemas.microsoft.com/office/mac/drawingml/2011/main" val="1"/>
             </a:ext>
           </a:extLst>
         </p:spPr>
@@ -3763,7 +3785,7 @@
           </a:ln>
           <a:extLst>
             <a:ext uri="{C572A759-6A51-4108-AA02-DFA0A04FC94B}">
-              <ma14:wrappingTextBoxFlag xmlns:ma14="http://schemas.microsoft.com/office/mac/drawingml/2011/main" xmlns:a14="http://schemas.microsoft.com/office/drawing/2010/main" xmlns:m="http://schemas.openxmlformats.org/officeDocument/2006/math" xmlns="" val="1"/>
+              <ma14:wrappingTextBoxFlag xmlns="" xmlns:m="http://schemas.openxmlformats.org/officeDocument/2006/math" xmlns:a14="http://schemas.microsoft.com/office/drawing/2010/main" xmlns:ma14="http://schemas.microsoft.com/office/mac/drawingml/2011/main" val="1"/>
             </a:ext>
           </a:extLst>
         </p:spPr>
@@ -3810,7 +3832,7 @@
           </a:ln>
           <a:extLst>
             <a:ext uri="{C572A759-6A51-4108-AA02-DFA0A04FC94B}">
-              <ma14:wrappingTextBoxFlag xmlns:ma14="http://schemas.microsoft.com/office/mac/drawingml/2011/main" xmlns:a14="http://schemas.microsoft.com/office/drawing/2010/main" xmlns:m="http://schemas.openxmlformats.org/officeDocument/2006/math" xmlns="" val="1"/>
+              <ma14:wrappingTextBoxFlag xmlns="" xmlns:m="http://schemas.openxmlformats.org/officeDocument/2006/math" xmlns:a14="http://schemas.microsoft.com/office/drawing/2010/main" xmlns:ma14="http://schemas.microsoft.com/office/mac/drawingml/2011/main" val="1"/>
             </a:ext>
           </a:extLst>
         </p:spPr>
@@ -3986,7 +4008,7 @@
             <a:effectLst/>
             <a:extLst>
               <a:ext uri="{C572A759-6A51-4108-AA02-DFA0A04FC94B}">
-                <ma14:wrappingTextBoxFlag xmlns:ma14="http://schemas.microsoft.com/office/mac/drawingml/2011/main" xmlns:a14="http://schemas.microsoft.com/office/drawing/2010/main" xmlns:m="http://schemas.openxmlformats.org/officeDocument/2006/math" xmlns="" val="1"/>
+                <ma14:wrappingTextBoxFlag xmlns="" xmlns:m="http://schemas.openxmlformats.org/officeDocument/2006/math" xmlns:a14="http://schemas.microsoft.com/office/drawing/2010/main" xmlns:ma14="http://schemas.microsoft.com/office/mac/drawingml/2011/main" val="1"/>
               </a:ext>
             </a:extLst>
           </p:spPr>
@@ -4127,6 +4149,351 @@
 </file>
 
 <file path=ppt/slides/slide12.xml><?xml version="1.0" encoding="utf-8"?>
+<p:sld xmlns:a="http://schemas.openxmlformats.org/drawingml/2006/main" xmlns:r="http://schemas.openxmlformats.org/officeDocument/2006/relationships" xmlns:p="http://schemas.openxmlformats.org/presentationml/2006/main">
+  <p:cSld>
+    <p:spTree>
+      <p:nvGrpSpPr>
+        <p:cNvPr id="1" name=""/>
+        <p:cNvGrpSpPr/>
+        <p:nvPr/>
+      </p:nvGrpSpPr>
+      <p:grpSpPr>
+        <a:xfrm>
+          <a:off x="0" y="0"/>
+          <a:ext cx="0" cy="0"/>
+          <a:chOff x="0" y="0"/>
+          <a:chExt cx="0" cy="0"/>
+        </a:xfrm>
+      </p:grpSpPr>
+      <p:sp>
+        <p:nvSpPr>
+          <p:cNvPr id="200" name="Object 2"/>
+          <p:cNvSpPr txBox="1"/>
+          <p:nvPr/>
+        </p:nvSpPr>
+        <p:spPr>
+          <a:xfrm>
+            <a:off x="1093338" y="963666"/>
+            <a:ext cx="7852541" cy="726441"/>
+          </a:xfrm>
+          <a:prstGeom prst="rect">
+            <a:avLst/>
+          </a:prstGeom>
+          <a:ln w="12700">
+            <a:miter lim="400000"/>
+          </a:ln>
+          <a:extLst>
+            <a:ext uri="{C572A759-6A51-4108-AA02-DFA0A04FC94B}">
+              <ma14:wrappingTextBoxFlag xmlns="" xmlns:m="http://schemas.openxmlformats.org/officeDocument/2006/math" xmlns:a14="http://schemas.microsoft.com/office/drawing/2010/main" xmlns:ma14="http://schemas.microsoft.com/office/mac/drawingml/2011/main" val="1"/>
+            </a:ext>
+          </a:extLst>
+        </p:spPr>
+        <p:txBody>
+          <a:bodyPr lIns="45719" rIns="45719">
+            <a:spAutoFit/>
+          </a:bodyPr>
+          <a:lstStyle/>
+          <a:p>
+            <a:pPr>
+              <a:defRPr sz="4400">
+                <a:solidFill>
+                  <a:srgbClr val="5B554F"/>
+                </a:solidFill>
+                <a:latin typeface="나눔고딕"/>
+                <a:ea typeface="나눔고딕"/>
+                <a:cs typeface="나눔고딕"/>
+                <a:sym typeface="나눔고딕"/>
+              </a:defRPr>
+            </a:pPr>
+            <a:r>
+              <a:t>3. </a:t>
+            </a:r>
+            <a:r>
+              <a:rPr>
+                <a:latin typeface="Arial"/>
+                <a:ea typeface="Arial"/>
+                <a:cs typeface="Arial"/>
+                <a:sym typeface="Arial"/>
+              </a:rPr>
+              <a:t>ML Modeling</a:t>
+            </a:r>
+          </a:p>
+        </p:txBody>
+      </p:sp>
+      <p:sp>
+        <p:nvSpPr>
+          <p:cNvPr id="201" name="Object 24"/>
+          <p:cNvSpPr txBox="1"/>
+          <p:nvPr/>
+        </p:nvSpPr>
+        <p:spPr>
+          <a:xfrm>
+            <a:off x="274320" y="9741286"/>
+            <a:ext cx="8337131" cy="370841"/>
+          </a:xfrm>
+          <a:prstGeom prst="rect">
+            <a:avLst/>
+          </a:prstGeom>
+          <a:ln w="12700">
+            <a:miter lim="400000"/>
+          </a:ln>
+          <a:extLst>
+            <a:ext uri="{C572A759-6A51-4108-AA02-DFA0A04FC94B}">
+              <ma14:wrappingTextBoxFlag xmlns="" xmlns:m="http://schemas.openxmlformats.org/officeDocument/2006/math" xmlns:a14="http://schemas.microsoft.com/office/drawing/2010/main" xmlns:ma14="http://schemas.microsoft.com/office/mac/drawingml/2011/main" val="1"/>
+            </a:ext>
+          </a:extLst>
+        </p:spPr>
+        <p:txBody>
+          <a:bodyPr lIns="45719" rIns="45719">
+            <a:spAutoFit/>
+          </a:bodyPr>
+          <a:lstStyle>
+            <a:lvl1pPr>
+              <a:defRPr>
+                <a:solidFill>
+                  <a:srgbClr val="202124"/>
+                </a:solidFill>
+                <a:latin typeface="Roboto"/>
+                <a:ea typeface="Roboto"/>
+                <a:cs typeface="Roboto"/>
+                <a:sym typeface="Roboto"/>
+              </a:defRPr>
+            </a:lvl1pPr>
+          </a:lstStyle>
+          <a:p>
+            <a:r>
+              <a:t>Classifying Credit Card Users: A Machine Learning Analysis</a:t>
+            </a:r>
+          </a:p>
+        </p:txBody>
+      </p:sp>
+      <p:sp>
+        <p:nvSpPr>
+          <p:cNvPr id="202" name="Object 25"/>
+          <p:cNvSpPr txBox="1"/>
+          <p:nvPr/>
+        </p:nvSpPr>
+        <p:spPr>
+          <a:xfrm>
+            <a:off x="9113520" y="9741286"/>
+            <a:ext cx="8337132" cy="358141"/>
+          </a:xfrm>
+          <a:prstGeom prst="rect">
+            <a:avLst/>
+          </a:prstGeom>
+          <a:ln w="12700">
+            <a:miter lim="400000"/>
+          </a:ln>
+          <a:extLst>
+            <a:ext uri="{C572A759-6A51-4108-AA02-DFA0A04FC94B}">
+              <ma14:wrappingTextBoxFlag xmlns="" xmlns:m="http://schemas.openxmlformats.org/officeDocument/2006/math" xmlns:a14="http://schemas.microsoft.com/office/drawing/2010/main" xmlns:ma14="http://schemas.microsoft.com/office/mac/drawingml/2011/main" val="1"/>
+            </a:ext>
+          </a:extLst>
+        </p:spPr>
+        <p:txBody>
+          <a:bodyPr lIns="45719" rIns="45719">
+            <a:spAutoFit/>
+          </a:bodyPr>
+          <a:lstStyle/>
+          <a:p>
+            <a:pPr algn="r"/>
+            <a:r>
+              <a:t>Zero-base 1</a:t>
+            </a:r>
+            <a:r>
+              <a:rPr>
+                <a:latin typeface="+mn-lt"/>
+                <a:ea typeface="+mn-ea"/>
+                <a:cs typeface="+mn-cs"/>
+                <a:sym typeface="Helvetica"/>
+              </a:rPr>
+              <a:t>팀</a:t>
+            </a:r>
+          </a:p>
+        </p:txBody>
+      </p:sp>
+      <p:pic>
+        <p:nvPicPr>
+          <p:cNvPr id="203" name="Object 26" descr="Object 26"/>
+          <p:cNvPicPr>
+            <a:picLocks noChangeAspect="1"/>
+          </p:cNvPicPr>
+          <p:nvPr/>
+        </p:nvPicPr>
+        <p:blipFill>
+          <a:blip r:embed="rId2"/>
+          <a:stretch>
+            <a:fillRect/>
+          </a:stretch>
+        </p:blipFill>
+        <p:spPr>
+          <a:xfrm>
+            <a:off x="1190475" y="-114286"/>
+            <a:ext cx="17552383" cy="314204"/>
+          </a:xfrm>
+          <a:prstGeom prst="rect">
+            <a:avLst/>
+          </a:prstGeom>
+          <a:ln w="12700">
+            <a:miter lim="400000"/>
+          </a:ln>
+        </p:spPr>
+      </p:pic>
+      <p:sp>
+        <p:nvSpPr>
+          <p:cNvPr id="204" name="Object 2"/>
+          <p:cNvSpPr txBox="1"/>
+          <p:nvPr/>
+        </p:nvSpPr>
+        <p:spPr>
+          <a:xfrm>
+            <a:off x="3163282" y="4874258"/>
+            <a:ext cx="3582190" cy="726441"/>
+          </a:xfrm>
+          <a:prstGeom prst="rect">
+            <a:avLst/>
+          </a:prstGeom>
+          <a:ln w="12700">
+            <a:miter lim="400000"/>
+          </a:ln>
+          <a:extLst>
+            <a:ext uri="{C572A759-6A51-4108-AA02-DFA0A04FC94B}">
+              <ma14:wrappingTextBoxFlag xmlns="" xmlns:m="http://schemas.openxmlformats.org/officeDocument/2006/math" xmlns:a14="http://schemas.microsoft.com/office/drawing/2010/main" xmlns:ma14="http://schemas.microsoft.com/office/mac/drawingml/2011/main" val="1"/>
+            </a:ext>
+          </a:extLst>
+        </p:spPr>
+        <p:txBody>
+          <a:bodyPr lIns="45719" rIns="45719">
+            <a:spAutoFit/>
+          </a:bodyPr>
+          <a:lstStyle>
+            <a:lvl1pPr>
+              <a:defRPr sz="4400">
+                <a:solidFill>
+                  <a:srgbClr val="5B554F"/>
+                </a:solidFill>
+                <a:latin typeface="나눔고딕"/>
+                <a:ea typeface="나눔고딕"/>
+                <a:cs typeface="나눔고딕"/>
+                <a:sym typeface="나눔고딕"/>
+              </a:defRPr>
+            </a:lvl1pPr>
+          </a:lstStyle>
+          <a:p>
+            <a:r>
+              <a:t>평가 지표 선정</a:t>
+            </a:r>
+          </a:p>
+        </p:txBody>
+      </p:sp>
+      <p:sp>
+        <p:nvSpPr>
+          <p:cNvPr id="205" name="Object 2"/>
+          <p:cNvSpPr txBox="1"/>
+          <p:nvPr/>
+        </p:nvSpPr>
+        <p:spPr>
+          <a:xfrm>
+            <a:off x="10126101" y="4154420"/>
+            <a:ext cx="4998617" cy="1978160"/>
+          </a:xfrm>
+          <a:prstGeom prst="rect">
+            <a:avLst/>
+          </a:prstGeom>
+          <a:ln w="12700">
+            <a:miter lim="400000"/>
+          </a:ln>
+          <a:extLst>
+            <a:ext uri="{C572A759-6A51-4108-AA02-DFA0A04FC94B}">
+              <ma14:wrappingTextBoxFlag xmlns="" xmlns:m="http://schemas.openxmlformats.org/officeDocument/2006/math" xmlns:a14="http://schemas.microsoft.com/office/drawing/2010/main" xmlns:ma14="http://schemas.microsoft.com/office/mac/drawingml/2011/main" val="1"/>
+            </a:ext>
+          </a:extLst>
+        </p:spPr>
+        <p:txBody>
+          <a:bodyPr lIns="45719" rIns="45719">
+            <a:spAutoFit/>
+          </a:bodyPr>
+          <a:lstStyle/>
+          <a:p>
+            <a:pPr marL="742950" indent="-742950">
+              <a:buSzPct val="100000"/>
+              <a:buAutoNum type="arabicPeriod"/>
+              <a:defRPr sz="4400">
+                <a:solidFill>
+                  <a:srgbClr val="5B554F"/>
+                </a:solidFill>
+                <a:latin typeface="Arial"/>
+                <a:ea typeface="Arial"/>
+                <a:cs typeface="Arial"/>
+                <a:sym typeface="Arial"/>
+              </a:defRPr>
+            </a:pPr>
+            <a:r>
+              <a:rPr>
+                <a:solidFill>
+                  <a:srgbClr val="DC585E"/>
+                </a:solidFill>
+              </a:rPr>
+              <a:t>Recall</a:t>
+            </a:r>
+            <a:r>
+              <a:t> Result</a:t>
+            </a:r>
+          </a:p>
+          <a:p>
+            <a:pPr marL="742950" indent="-742950">
+              <a:buSzPct val="100000"/>
+              <a:buAutoNum type="arabicPeriod"/>
+              <a:defRPr sz="4400">
+                <a:solidFill>
+                  <a:srgbClr val="5B554F"/>
+                </a:solidFill>
+                <a:latin typeface="나눔고딕"/>
+                <a:ea typeface="나눔고딕"/>
+                <a:cs typeface="나눔고딕"/>
+                <a:sym typeface="나눔고딕"/>
+              </a:defRPr>
+            </a:pPr>
+            <a:endParaRPr/>
+          </a:p>
+          <a:p>
+            <a:pPr marL="742950" indent="-742950">
+              <a:buSzPct val="100000"/>
+              <a:buAutoNum type="arabicPeriod" startAt="2"/>
+              <a:defRPr sz="4400">
+                <a:solidFill>
+                  <a:srgbClr val="5B554F"/>
+                </a:solidFill>
+                <a:latin typeface="Arial"/>
+                <a:ea typeface="Arial"/>
+                <a:cs typeface="Arial"/>
+                <a:sym typeface="Arial"/>
+              </a:defRPr>
+            </a:pPr>
+            <a:r>
+              <a:rPr>
+                <a:solidFill>
+                  <a:srgbClr val="DC585E"/>
+                </a:solidFill>
+              </a:rPr>
+              <a:t>Log loss</a:t>
+            </a:r>
+            <a:r>
+              <a:t> Result</a:t>
+            </a:r>
+          </a:p>
+        </p:txBody>
+      </p:sp>
+    </p:spTree>
+  </p:cSld>
+  <p:clrMapOvr>
+    <a:masterClrMapping/>
+  </p:clrMapOvr>
+  <p:transition spd="med"/>
+</p:sld>
+</file>
+
+<file path=ppt/slides/slide13.xml><?xml version="1.0" encoding="utf-8"?>
 <p:sld xmlns:a="http://schemas.openxmlformats.org/drawingml/2006/main" xmlns:r="http://schemas.openxmlformats.org/officeDocument/2006/relationships" xmlns:p="http://schemas.openxmlformats.org/presentationml/2006/main">
   <p:cSld>
     <p:spTree>
@@ -4319,351 +4686,6 @@
       </p:pic>
       <p:sp>
         <p:nvSpPr>
-          <p:cNvPr id="204" name="Object 2"/>
-          <p:cNvSpPr txBox="1"/>
-          <p:nvPr/>
-        </p:nvSpPr>
-        <p:spPr>
-          <a:xfrm>
-            <a:off x="3163282" y="4874258"/>
-            <a:ext cx="3582190" cy="726441"/>
-          </a:xfrm>
-          <a:prstGeom prst="rect">
-            <a:avLst/>
-          </a:prstGeom>
-          <a:ln w="12700">
-            <a:miter lim="400000"/>
-          </a:ln>
-          <a:extLst>
-            <a:ext uri="{C572A759-6A51-4108-AA02-DFA0A04FC94B}">
-              <ma14:wrappingTextBoxFlag xmlns:ma14="http://schemas.microsoft.com/office/mac/drawingml/2011/main" xmlns:a14="http://schemas.microsoft.com/office/drawing/2010/main" xmlns:m="http://schemas.openxmlformats.org/officeDocument/2006/math" xmlns="" val="1"/>
-            </a:ext>
-          </a:extLst>
-        </p:spPr>
-        <p:txBody>
-          <a:bodyPr lIns="45719" rIns="45719">
-            <a:spAutoFit/>
-          </a:bodyPr>
-          <a:lstStyle>
-            <a:lvl1pPr>
-              <a:defRPr sz="4400">
-                <a:solidFill>
-                  <a:srgbClr val="5B554F"/>
-                </a:solidFill>
-                <a:latin typeface="나눔고딕"/>
-                <a:ea typeface="나눔고딕"/>
-                <a:cs typeface="나눔고딕"/>
-                <a:sym typeface="나눔고딕"/>
-              </a:defRPr>
-            </a:lvl1pPr>
-          </a:lstStyle>
-          <a:p>
-            <a:r>
-              <a:t>평가 지표 선정</a:t>
-            </a:r>
-          </a:p>
-        </p:txBody>
-      </p:sp>
-      <p:sp>
-        <p:nvSpPr>
-          <p:cNvPr id="205" name="Object 2"/>
-          <p:cNvSpPr txBox="1"/>
-          <p:nvPr/>
-        </p:nvSpPr>
-        <p:spPr>
-          <a:xfrm>
-            <a:off x="10126101" y="4154420"/>
-            <a:ext cx="4998617" cy="1978160"/>
-          </a:xfrm>
-          <a:prstGeom prst="rect">
-            <a:avLst/>
-          </a:prstGeom>
-          <a:ln w="12700">
-            <a:miter lim="400000"/>
-          </a:ln>
-          <a:extLst>
-            <a:ext uri="{C572A759-6A51-4108-AA02-DFA0A04FC94B}">
-              <ma14:wrappingTextBoxFlag xmlns:ma14="http://schemas.microsoft.com/office/mac/drawingml/2011/main" xmlns:a14="http://schemas.microsoft.com/office/drawing/2010/main" xmlns:m="http://schemas.openxmlformats.org/officeDocument/2006/math" xmlns="" val="1"/>
-            </a:ext>
-          </a:extLst>
-        </p:spPr>
-        <p:txBody>
-          <a:bodyPr lIns="45719" rIns="45719">
-            <a:spAutoFit/>
-          </a:bodyPr>
-          <a:lstStyle/>
-          <a:p>
-            <a:pPr marL="742950" indent="-742950">
-              <a:buSzPct val="100000"/>
-              <a:buAutoNum type="arabicPeriod"/>
-              <a:defRPr sz="4400">
-                <a:solidFill>
-                  <a:srgbClr val="5B554F"/>
-                </a:solidFill>
-                <a:latin typeface="Arial"/>
-                <a:ea typeface="Arial"/>
-                <a:cs typeface="Arial"/>
-                <a:sym typeface="Arial"/>
-              </a:defRPr>
-            </a:pPr>
-            <a:r>
-              <a:rPr>
-                <a:solidFill>
-                  <a:srgbClr val="DC585E"/>
-                </a:solidFill>
-              </a:rPr>
-              <a:t>Recall</a:t>
-            </a:r>
-            <a:r>
-              <a:t> Result</a:t>
-            </a:r>
-          </a:p>
-          <a:p>
-            <a:pPr marL="742950" indent="-742950">
-              <a:buSzPct val="100000"/>
-              <a:buAutoNum type="arabicPeriod"/>
-              <a:defRPr sz="4400">
-                <a:solidFill>
-                  <a:srgbClr val="5B554F"/>
-                </a:solidFill>
-                <a:latin typeface="나눔고딕"/>
-                <a:ea typeface="나눔고딕"/>
-                <a:cs typeface="나눔고딕"/>
-                <a:sym typeface="나눔고딕"/>
-              </a:defRPr>
-            </a:pPr>
-            <a:endParaRPr/>
-          </a:p>
-          <a:p>
-            <a:pPr marL="742950" indent="-742950">
-              <a:buSzPct val="100000"/>
-              <a:buAutoNum type="arabicPeriod" startAt="2"/>
-              <a:defRPr sz="4400">
-                <a:solidFill>
-                  <a:srgbClr val="5B554F"/>
-                </a:solidFill>
-                <a:latin typeface="Arial"/>
-                <a:ea typeface="Arial"/>
-                <a:cs typeface="Arial"/>
-                <a:sym typeface="Arial"/>
-              </a:defRPr>
-            </a:pPr>
-            <a:r>
-              <a:rPr>
-                <a:solidFill>
-                  <a:srgbClr val="DC585E"/>
-                </a:solidFill>
-              </a:rPr>
-              <a:t>Log loss</a:t>
-            </a:r>
-            <a:r>
-              <a:t> Result</a:t>
-            </a:r>
-          </a:p>
-        </p:txBody>
-      </p:sp>
-    </p:spTree>
-  </p:cSld>
-  <p:clrMapOvr>
-    <a:masterClrMapping/>
-  </p:clrMapOvr>
-  <p:transition spd="med"/>
-</p:sld>
-</file>
-
-<file path=ppt/slides/slide13.xml><?xml version="1.0" encoding="utf-8"?>
-<p:sld xmlns:a="http://schemas.openxmlformats.org/drawingml/2006/main" xmlns:r="http://schemas.openxmlformats.org/officeDocument/2006/relationships" xmlns:p="http://schemas.openxmlformats.org/presentationml/2006/main">
-  <p:cSld>
-    <p:spTree>
-      <p:nvGrpSpPr>
-        <p:cNvPr id="1" name=""/>
-        <p:cNvGrpSpPr/>
-        <p:nvPr/>
-      </p:nvGrpSpPr>
-      <p:grpSpPr>
-        <a:xfrm>
-          <a:off x="0" y="0"/>
-          <a:ext cx="0" cy="0"/>
-          <a:chOff x="0" y="0"/>
-          <a:chExt cx="0" cy="0"/>
-        </a:xfrm>
-      </p:grpSpPr>
-      <p:sp>
-        <p:nvSpPr>
-          <p:cNvPr id="200" name="Object 2"/>
-          <p:cNvSpPr txBox="1"/>
-          <p:nvPr/>
-        </p:nvSpPr>
-        <p:spPr>
-          <a:xfrm>
-            <a:off x="1093338" y="963666"/>
-            <a:ext cx="7852541" cy="726441"/>
-          </a:xfrm>
-          <a:prstGeom prst="rect">
-            <a:avLst/>
-          </a:prstGeom>
-          <a:ln w="12700">
-            <a:miter lim="400000"/>
-          </a:ln>
-          <a:extLst>
-            <a:ext uri="{C572A759-6A51-4108-AA02-DFA0A04FC94B}">
-              <ma14:wrappingTextBoxFlag xmlns="" xmlns:m="http://schemas.openxmlformats.org/officeDocument/2006/math" xmlns:a14="http://schemas.microsoft.com/office/drawing/2010/main" xmlns:ma14="http://schemas.microsoft.com/office/mac/drawingml/2011/main" val="1"/>
-            </a:ext>
-          </a:extLst>
-        </p:spPr>
-        <p:txBody>
-          <a:bodyPr lIns="45719" rIns="45719">
-            <a:spAutoFit/>
-          </a:bodyPr>
-          <a:lstStyle/>
-          <a:p>
-            <a:pPr>
-              <a:defRPr sz="4400">
-                <a:solidFill>
-                  <a:srgbClr val="5B554F"/>
-                </a:solidFill>
-                <a:latin typeface="나눔고딕"/>
-                <a:ea typeface="나눔고딕"/>
-                <a:cs typeface="나눔고딕"/>
-                <a:sym typeface="나눔고딕"/>
-              </a:defRPr>
-            </a:pPr>
-            <a:r>
-              <a:t>3. </a:t>
-            </a:r>
-            <a:r>
-              <a:rPr>
-                <a:latin typeface="Arial"/>
-                <a:ea typeface="Arial"/>
-                <a:cs typeface="Arial"/>
-                <a:sym typeface="Arial"/>
-              </a:rPr>
-              <a:t>ML Modeling</a:t>
-            </a:r>
-          </a:p>
-        </p:txBody>
-      </p:sp>
-      <p:sp>
-        <p:nvSpPr>
-          <p:cNvPr id="201" name="Object 24"/>
-          <p:cNvSpPr txBox="1"/>
-          <p:nvPr/>
-        </p:nvSpPr>
-        <p:spPr>
-          <a:xfrm>
-            <a:off x="274320" y="9741286"/>
-            <a:ext cx="8337131" cy="370841"/>
-          </a:xfrm>
-          <a:prstGeom prst="rect">
-            <a:avLst/>
-          </a:prstGeom>
-          <a:ln w="12700">
-            <a:miter lim="400000"/>
-          </a:ln>
-          <a:extLst>
-            <a:ext uri="{C572A759-6A51-4108-AA02-DFA0A04FC94B}">
-              <ma14:wrappingTextBoxFlag xmlns="" xmlns:m="http://schemas.openxmlformats.org/officeDocument/2006/math" xmlns:a14="http://schemas.microsoft.com/office/drawing/2010/main" xmlns:ma14="http://schemas.microsoft.com/office/mac/drawingml/2011/main" val="1"/>
-            </a:ext>
-          </a:extLst>
-        </p:spPr>
-        <p:txBody>
-          <a:bodyPr lIns="45719" rIns="45719">
-            <a:spAutoFit/>
-          </a:bodyPr>
-          <a:lstStyle>
-            <a:lvl1pPr>
-              <a:defRPr>
-                <a:solidFill>
-                  <a:srgbClr val="202124"/>
-                </a:solidFill>
-                <a:latin typeface="Roboto"/>
-                <a:ea typeface="Roboto"/>
-                <a:cs typeface="Roboto"/>
-                <a:sym typeface="Roboto"/>
-              </a:defRPr>
-            </a:lvl1pPr>
-          </a:lstStyle>
-          <a:p>
-            <a:r>
-              <a:t>Classifying Credit Card Users: A Machine Learning Analysis</a:t>
-            </a:r>
-          </a:p>
-        </p:txBody>
-      </p:sp>
-      <p:sp>
-        <p:nvSpPr>
-          <p:cNvPr id="202" name="Object 25"/>
-          <p:cNvSpPr txBox="1"/>
-          <p:nvPr/>
-        </p:nvSpPr>
-        <p:spPr>
-          <a:xfrm>
-            <a:off x="9113520" y="9741286"/>
-            <a:ext cx="8337132" cy="358141"/>
-          </a:xfrm>
-          <a:prstGeom prst="rect">
-            <a:avLst/>
-          </a:prstGeom>
-          <a:ln w="12700">
-            <a:miter lim="400000"/>
-          </a:ln>
-          <a:extLst>
-            <a:ext uri="{C572A759-6A51-4108-AA02-DFA0A04FC94B}">
-              <ma14:wrappingTextBoxFlag xmlns="" xmlns:m="http://schemas.openxmlformats.org/officeDocument/2006/math" xmlns:a14="http://schemas.microsoft.com/office/drawing/2010/main" xmlns:ma14="http://schemas.microsoft.com/office/mac/drawingml/2011/main" val="1"/>
-            </a:ext>
-          </a:extLst>
-        </p:spPr>
-        <p:txBody>
-          <a:bodyPr lIns="45719" rIns="45719">
-            <a:spAutoFit/>
-          </a:bodyPr>
-          <a:lstStyle/>
-          <a:p>
-            <a:pPr algn="r"/>
-            <a:r>
-              <a:t>Zero-base 1</a:t>
-            </a:r>
-            <a:r>
-              <a:rPr>
-                <a:latin typeface="+mn-lt"/>
-                <a:ea typeface="+mn-ea"/>
-                <a:cs typeface="+mn-cs"/>
-                <a:sym typeface="Helvetica"/>
-              </a:rPr>
-              <a:t>팀</a:t>
-            </a:r>
-          </a:p>
-        </p:txBody>
-      </p:sp>
-      <p:pic>
-        <p:nvPicPr>
-          <p:cNvPr id="203" name="Object 26" descr="Object 26"/>
-          <p:cNvPicPr>
-            <a:picLocks noChangeAspect="1"/>
-          </p:cNvPicPr>
-          <p:nvPr/>
-        </p:nvPicPr>
-        <p:blipFill>
-          <a:blip r:embed="rId2"/>
-          <a:stretch>
-            <a:fillRect/>
-          </a:stretch>
-        </p:blipFill>
-        <p:spPr>
-          <a:xfrm>
-            <a:off x="1190475" y="-114286"/>
-            <a:ext cx="17552383" cy="314204"/>
-          </a:xfrm>
-          <a:prstGeom prst="rect">
-            <a:avLst/>
-          </a:prstGeom>
-          <a:ln w="12700">
-            <a:miter lim="400000"/>
-          </a:ln>
-        </p:spPr>
-      </p:pic>
-      <p:sp>
-        <p:nvSpPr>
           <p:cNvPr id="205" name="Object 2"/>
           <p:cNvSpPr txBox="1"/>
           <p:nvPr/>
@@ -4681,7 +4703,7 @@
           </a:ln>
           <a:extLst>
             <a:ext uri="{C572A759-6A51-4108-AA02-DFA0A04FC94B}">
-              <ma14:wrappingTextBoxFlag xmlns="" xmlns:m="http://schemas.openxmlformats.org/officeDocument/2006/math" xmlns:a14="http://schemas.microsoft.com/office/drawing/2010/main" xmlns:ma14="http://schemas.microsoft.com/office/mac/drawingml/2011/main" val="1"/>
+              <ma14:wrappingTextBoxFlag xmlns:ma14="http://schemas.microsoft.com/office/mac/drawingml/2011/main" xmlns:a14="http://schemas.microsoft.com/office/drawing/2010/main" xmlns:m="http://schemas.openxmlformats.org/officeDocument/2006/math" xmlns="" val="1"/>
             </a:ext>
           </a:extLst>
         </p:spPr>
@@ -4799,7 +4821,7 @@
           </a:ln>
           <a:extLst>
             <a:ext uri="{C572A759-6A51-4108-AA02-DFA0A04FC94B}">
-              <ma14:wrappingTextBoxFlag xmlns="" xmlns:m="http://schemas.openxmlformats.org/officeDocument/2006/math" xmlns:a14="http://schemas.microsoft.com/office/drawing/2010/main" xmlns:ma14="http://schemas.microsoft.com/office/mac/drawingml/2011/main" val="1"/>
+              <ma14:wrappingTextBoxFlag xmlns:ma14="http://schemas.microsoft.com/office/mac/drawingml/2011/main" xmlns:a14="http://schemas.microsoft.com/office/drawing/2010/main" xmlns:m="http://schemas.openxmlformats.org/officeDocument/2006/math" xmlns="" val="1"/>
             </a:ext>
           </a:extLst>
         </p:spPr>
@@ -5077,7 +5099,7 @@
           </a:ln>
           <a:extLst>
             <a:ext uri="{C572A759-6A51-4108-AA02-DFA0A04FC94B}">
-              <ma14:wrappingTextBoxFlag xmlns:ma14="http://schemas.microsoft.com/office/mac/drawingml/2011/main" xmlns:a14="http://schemas.microsoft.com/office/drawing/2010/main" xmlns:m="http://schemas.openxmlformats.org/officeDocument/2006/math" xmlns="" val="1"/>
+              <ma14:wrappingTextBoxFlag xmlns="" xmlns:m="http://schemas.openxmlformats.org/officeDocument/2006/math" xmlns:a14="http://schemas.microsoft.com/office/drawing/2010/main" xmlns:ma14="http://schemas.microsoft.com/office/mac/drawingml/2011/main" val="1"/>
             </a:ext>
           </a:extLst>
         </p:spPr>
@@ -5132,7 +5154,7 @@
           </a:ln>
           <a:extLst>
             <a:ext uri="{C572A759-6A51-4108-AA02-DFA0A04FC94B}">
-              <ma14:wrappingTextBoxFlag xmlns:ma14="http://schemas.microsoft.com/office/mac/drawingml/2011/main" xmlns:a14="http://schemas.microsoft.com/office/drawing/2010/main" xmlns:m="http://schemas.openxmlformats.org/officeDocument/2006/math" xmlns="" val="1"/>
+              <ma14:wrappingTextBoxFlag xmlns="" xmlns:m="http://schemas.openxmlformats.org/officeDocument/2006/math" xmlns:a14="http://schemas.microsoft.com/office/drawing/2010/main" xmlns:ma14="http://schemas.microsoft.com/office/mac/drawingml/2011/main" val="1"/>
             </a:ext>
           </a:extLst>
         </p:spPr>
@@ -5179,7 +5201,7 @@
           </a:ln>
           <a:extLst>
             <a:ext uri="{C572A759-6A51-4108-AA02-DFA0A04FC94B}">
-              <ma14:wrappingTextBoxFlag xmlns:ma14="http://schemas.microsoft.com/office/mac/drawingml/2011/main" xmlns:a14="http://schemas.microsoft.com/office/drawing/2010/main" xmlns:m="http://schemas.openxmlformats.org/officeDocument/2006/math" xmlns="" val="1"/>
+              <ma14:wrappingTextBoxFlag xmlns="" xmlns:m="http://schemas.openxmlformats.org/officeDocument/2006/math" xmlns:a14="http://schemas.microsoft.com/office/drawing/2010/main" xmlns:ma14="http://schemas.microsoft.com/office/mac/drawingml/2011/main" val="1"/>
             </a:ext>
           </a:extLst>
         </p:spPr>
@@ -5226,7 +5248,7 @@
           </a:ln>
           <a:extLst>
             <a:ext uri="{C572A759-6A51-4108-AA02-DFA0A04FC94B}">
-              <ma14:wrappingTextBoxFlag xmlns:ma14="http://schemas.microsoft.com/office/mac/drawingml/2011/main" xmlns:a14="http://schemas.microsoft.com/office/drawing/2010/main" xmlns:m="http://schemas.openxmlformats.org/officeDocument/2006/math" xmlns="" val="1"/>
+              <ma14:wrappingTextBoxFlag xmlns="" xmlns:m="http://schemas.openxmlformats.org/officeDocument/2006/math" xmlns:a14="http://schemas.microsoft.com/office/drawing/2010/main" xmlns:ma14="http://schemas.microsoft.com/office/mac/drawingml/2011/main" val="1"/>
             </a:ext>
           </a:extLst>
         </p:spPr>
@@ -10746,7 +10768,7 @@
           </a:ln>
           <a:extLst>
             <a:ext uri="{C572A759-6A51-4108-AA02-DFA0A04FC94B}">
-              <ma14:wrappingTextBoxFlag xmlns:ma14="http://schemas.microsoft.com/office/mac/drawingml/2011/main" xmlns:a14="http://schemas.microsoft.com/office/drawing/2010/main" xmlns:m="http://schemas.openxmlformats.org/officeDocument/2006/math" xmlns="" val="1"/>
+              <ma14:wrappingTextBoxFlag xmlns="" xmlns:m="http://schemas.openxmlformats.org/officeDocument/2006/math" xmlns:a14="http://schemas.microsoft.com/office/drawing/2010/main" xmlns:ma14="http://schemas.microsoft.com/office/mac/drawingml/2011/main" val="1"/>
             </a:ext>
           </a:extLst>
         </p:spPr>
@@ -10801,7 +10823,7 @@
           </a:ln>
           <a:extLst>
             <a:ext uri="{C572A759-6A51-4108-AA02-DFA0A04FC94B}">
-              <ma14:wrappingTextBoxFlag xmlns:ma14="http://schemas.microsoft.com/office/mac/drawingml/2011/main" xmlns:a14="http://schemas.microsoft.com/office/drawing/2010/main" xmlns:m="http://schemas.openxmlformats.org/officeDocument/2006/math" xmlns="" val="1"/>
+              <ma14:wrappingTextBoxFlag xmlns="" xmlns:m="http://schemas.openxmlformats.org/officeDocument/2006/math" xmlns:a14="http://schemas.microsoft.com/office/drawing/2010/main" xmlns:ma14="http://schemas.microsoft.com/office/mac/drawingml/2011/main" val="1"/>
             </a:ext>
           </a:extLst>
         </p:spPr>
@@ -10848,7 +10870,7 @@
           </a:ln>
           <a:extLst>
             <a:ext uri="{C572A759-6A51-4108-AA02-DFA0A04FC94B}">
-              <ma14:wrappingTextBoxFlag xmlns:ma14="http://schemas.microsoft.com/office/mac/drawingml/2011/main" xmlns:a14="http://schemas.microsoft.com/office/drawing/2010/main" xmlns:m="http://schemas.openxmlformats.org/officeDocument/2006/math" xmlns="" val="1"/>
+              <ma14:wrappingTextBoxFlag xmlns="" xmlns:m="http://schemas.openxmlformats.org/officeDocument/2006/math" xmlns:a14="http://schemas.microsoft.com/office/drawing/2010/main" xmlns:ma14="http://schemas.microsoft.com/office/mac/drawingml/2011/main" val="1"/>
             </a:ext>
           </a:extLst>
         </p:spPr>
@@ -10895,7 +10917,7 @@
           </a:ln>
           <a:extLst>
             <a:ext uri="{C572A759-6A51-4108-AA02-DFA0A04FC94B}">
-              <ma14:wrappingTextBoxFlag xmlns:ma14="http://schemas.microsoft.com/office/mac/drawingml/2011/main" xmlns:a14="http://schemas.microsoft.com/office/drawing/2010/main" xmlns:m="http://schemas.openxmlformats.org/officeDocument/2006/math" xmlns="" val="1"/>
+              <ma14:wrappingTextBoxFlag xmlns="" xmlns:m="http://schemas.openxmlformats.org/officeDocument/2006/math" xmlns:a14="http://schemas.microsoft.com/office/drawing/2010/main" xmlns:ma14="http://schemas.microsoft.com/office/mac/drawingml/2011/main" val="1"/>
             </a:ext>
           </a:extLst>
         </p:spPr>
@@ -11730,7 +11752,7 @@
           </a:ln>
           <a:extLst>
             <a:ext uri="{C572A759-6A51-4108-AA02-DFA0A04FC94B}">
-              <ma14:wrappingTextBoxFlag xmlns:ma14="http://schemas.microsoft.com/office/mac/drawingml/2011/main" xmlns:a14="http://schemas.microsoft.com/office/drawing/2010/main" xmlns:m="http://schemas.openxmlformats.org/officeDocument/2006/math" xmlns="" val="1"/>
+              <ma14:wrappingTextBoxFlag xmlns="" xmlns:m="http://schemas.openxmlformats.org/officeDocument/2006/math" xmlns:a14="http://schemas.microsoft.com/office/drawing/2010/main" xmlns:ma14="http://schemas.microsoft.com/office/mac/drawingml/2011/main" val="1"/>
             </a:ext>
           </a:extLst>
         </p:spPr>
@@ -11785,7 +11807,7 @@
           </a:ln>
           <a:extLst>
             <a:ext uri="{C572A759-6A51-4108-AA02-DFA0A04FC94B}">
-              <ma14:wrappingTextBoxFlag xmlns:ma14="http://schemas.microsoft.com/office/mac/drawingml/2011/main" xmlns:a14="http://schemas.microsoft.com/office/drawing/2010/main" xmlns:m="http://schemas.openxmlformats.org/officeDocument/2006/math" xmlns="" val="1"/>
+              <ma14:wrappingTextBoxFlag xmlns="" xmlns:m="http://schemas.openxmlformats.org/officeDocument/2006/math" xmlns:a14="http://schemas.microsoft.com/office/drawing/2010/main" xmlns:ma14="http://schemas.microsoft.com/office/mac/drawingml/2011/main" val="1"/>
             </a:ext>
           </a:extLst>
         </p:spPr>
@@ -11832,7 +11854,7 @@
           </a:ln>
           <a:extLst>
             <a:ext uri="{C572A759-6A51-4108-AA02-DFA0A04FC94B}">
-              <ma14:wrappingTextBoxFlag xmlns:ma14="http://schemas.microsoft.com/office/mac/drawingml/2011/main" xmlns:a14="http://schemas.microsoft.com/office/drawing/2010/main" xmlns:m="http://schemas.openxmlformats.org/officeDocument/2006/math" xmlns="" val="1"/>
+              <ma14:wrappingTextBoxFlag xmlns="" xmlns:m="http://schemas.openxmlformats.org/officeDocument/2006/math" xmlns:a14="http://schemas.microsoft.com/office/drawing/2010/main" xmlns:ma14="http://schemas.microsoft.com/office/mac/drawingml/2011/main" val="1"/>
             </a:ext>
           </a:extLst>
         </p:spPr>
@@ -11879,7 +11901,7 @@
           </a:ln>
           <a:extLst>
             <a:ext uri="{C572A759-6A51-4108-AA02-DFA0A04FC94B}">
-              <ma14:wrappingTextBoxFlag xmlns:ma14="http://schemas.microsoft.com/office/mac/drawingml/2011/main" xmlns:a14="http://schemas.microsoft.com/office/drawing/2010/main" xmlns:m="http://schemas.openxmlformats.org/officeDocument/2006/math" xmlns="" val="1"/>
+              <ma14:wrappingTextBoxFlag xmlns="" xmlns:m="http://schemas.openxmlformats.org/officeDocument/2006/math" xmlns:a14="http://schemas.microsoft.com/office/drawing/2010/main" xmlns:ma14="http://schemas.microsoft.com/office/mac/drawingml/2011/main" val="1"/>
             </a:ext>
           </a:extLst>
         </p:spPr>
@@ -11971,7 +11993,7 @@
             </a:ln>
             <a:extLst>
               <a:ext uri="{C572A759-6A51-4108-AA02-DFA0A04FC94B}">
-                <ma14:wrappingTextBoxFlag xmlns:ma14="http://schemas.microsoft.com/office/mac/drawingml/2011/main" xmlns:a14="http://schemas.microsoft.com/office/drawing/2010/main" xmlns:m="http://schemas.openxmlformats.org/officeDocument/2006/math" xmlns="" val="1"/>
+                <ma14:wrappingTextBoxFlag xmlns="" xmlns:m="http://schemas.openxmlformats.org/officeDocument/2006/math" xmlns:a14="http://schemas.microsoft.com/office/drawing/2010/main" xmlns:ma14="http://schemas.microsoft.com/office/mac/drawingml/2011/main" val="1"/>
               </a:ext>
             </a:extLst>
           </p:spPr>
@@ -17827,7 +17849,7 @@
           </a:ln>
           <a:extLst>
             <a:ext uri="{C572A759-6A51-4108-AA02-DFA0A04FC94B}">
-              <ma14:wrappingTextBoxFlag xmlns:ma14="http://schemas.microsoft.com/office/mac/drawingml/2011/main" xmlns:a14="http://schemas.microsoft.com/office/drawing/2010/main" xmlns:m="http://schemas.openxmlformats.org/officeDocument/2006/math" xmlns="" val="1"/>
+              <ma14:wrappingTextBoxFlag xmlns="" xmlns:m="http://schemas.openxmlformats.org/officeDocument/2006/math" xmlns:a14="http://schemas.microsoft.com/office/drawing/2010/main" xmlns:ma14="http://schemas.microsoft.com/office/mac/drawingml/2011/main" val="1"/>
             </a:ext>
           </a:extLst>
         </p:spPr>
@@ -17909,7 +17931,7 @@
           </a:ln>
           <a:extLst>
             <a:ext uri="{C572A759-6A51-4108-AA02-DFA0A04FC94B}">
-              <ma14:wrappingTextBoxFlag xmlns:ma14="http://schemas.microsoft.com/office/mac/drawingml/2011/main" xmlns:a14="http://schemas.microsoft.com/office/drawing/2010/main" xmlns:m="http://schemas.openxmlformats.org/officeDocument/2006/math" xmlns="" val="1"/>
+              <ma14:wrappingTextBoxFlag xmlns="" xmlns:m="http://schemas.openxmlformats.org/officeDocument/2006/math" xmlns:a14="http://schemas.microsoft.com/office/drawing/2010/main" xmlns:ma14="http://schemas.microsoft.com/office/mac/drawingml/2011/main" val="1"/>
             </a:ext>
           </a:extLst>
         </p:spPr>
@@ -18125,7 +18147,7 @@
           </a:ln>
           <a:extLst>
             <a:ext uri="{C572A759-6A51-4108-AA02-DFA0A04FC94B}">
-              <ma14:wrappingTextBoxFlag xmlns:ma14="http://schemas.microsoft.com/office/mac/drawingml/2011/main" xmlns:a14="http://schemas.microsoft.com/office/drawing/2010/main" xmlns:m="http://schemas.openxmlformats.org/officeDocument/2006/math" xmlns="" val="1"/>
+              <ma14:wrappingTextBoxFlag xmlns="" xmlns:m="http://schemas.openxmlformats.org/officeDocument/2006/math" xmlns:a14="http://schemas.microsoft.com/office/drawing/2010/main" xmlns:ma14="http://schemas.microsoft.com/office/mac/drawingml/2011/main" val="1"/>
             </a:ext>
           </a:extLst>
         </p:spPr>
@@ -18180,7 +18202,7 @@
           </a:ln>
           <a:extLst>
             <a:ext uri="{C572A759-6A51-4108-AA02-DFA0A04FC94B}">
-              <ma14:wrappingTextBoxFlag xmlns:ma14="http://schemas.microsoft.com/office/mac/drawingml/2011/main" xmlns:a14="http://schemas.microsoft.com/office/drawing/2010/main" xmlns:m="http://schemas.openxmlformats.org/officeDocument/2006/math" xmlns="" val="1"/>
+              <ma14:wrappingTextBoxFlag xmlns="" xmlns:m="http://schemas.openxmlformats.org/officeDocument/2006/math" xmlns:a14="http://schemas.microsoft.com/office/drawing/2010/main" xmlns:ma14="http://schemas.microsoft.com/office/mac/drawingml/2011/main" val="1"/>
             </a:ext>
           </a:extLst>
         </p:spPr>
@@ -18227,7 +18249,7 @@
           </a:ln>
           <a:extLst>
             <a:ext uri="{C572A759-6A51-4108-AA02-DFA0A04FC94B}">
-              <ma14:wrappingTextBoxFlag xmlns:ma14="http://schemas.microsoft.com/office/mac/drawingml/2011/main" xmlns:a14="http://schemas.microsoft.com/office/drawing/2010/main" xmlns:m="http://schemas.openxmlformats.org/officeDocument/2006/math" xmlns="" val="1"/>
+              <ma14:wrappingTextBoxFlag xmlns="" xmlns:m="http://schemas.openxmlformats.org/officeDocument/2006/math" xmlns:a14="http://schemas.microsoft.com/office/drawing/2010/main" xmlns:ma14="http://schemas.microsoft.com/office/mac/drawingml/2011/main" val="1"/>
             </a:ext>
           </a:extLst>
         </p:spPr>
@@ -18274,7 +18296,7 @@
           </a:ln>
           <a:extLst>
             <a:ext uri="{C572A759-6A51-4108-AA02-DFA0A04FC94B}">
-              <ma14:wrappingTextBoxFlag xmlns:ma14="http://schemas.microsoft.com/office/mac/drawingml/2011/main" xmlns:a14="http://schemas.microsoft.com/office/drawing/2010/main" xmlns:m="http://schemas.openxmlformats.org/officeDocument/2006/math" xmlns="" val="1"/>
+              <ma14:wrappingTextBoxFlag xmlns="" xmlns:m="http://schemas.openxmlformats.org/officeDocument/2006/math" xmlns:a14="http://schemas.microsoft.com/office/drawing/2010/main" xmlns:ma14="http://schemas.microsoft.com/office/mac/drawingml/2011/main" val="1"/>
             </a:ext>
           </a:extLst>
         </p:spPr>
@@ -18444,7 +18466,7 @@
           </a:ln>
           <a:extLst>
             <a:ext uri="{C572A759-6A51-4108-AA02-DFA0A04FC94B}">
-              <ma14:wrappingTextBoxFlag xmlns:ma14="http://schemas.microsoft.com/office/mac/drawingml/2011/main" xmlns:a14="http://schemas.microsoft.com/office/drawing/2010/main" xmlns:m="http://schemas.openxmlformats.org/officeDocument/2006/math" xmlns="" val="1"/>
+              <ma14:wrappingTextBoxFlag xmlns="" xmlns:m="http://schemas.openxmlformats.org/officeDocument/2006/math" xmlns:a14="http://schemas.microsoft.com/office/drawing/2010/main" xmlns:ma14="http://schemas.microsoft.com/office/mac/drawingml/2011/main" val="1"/>
             </a:ext>
           </a:extLst>
         </p:spPr>
@@ -18618,7 +18640,7 @@
           </a:ln>
           <a:extLst>
             <a:ext uri="{C572A759-6A51-4108-AA02-DFA0A04FC94B}">
-              <ma14:wrappingTextBoxFlag xmlns:ma14="http://schemas.microsoft.com/office/mac/drawingml/2011/main" xmlns:a14="http://schemas.microsoft.com/office/drawing/2010/main" xmlns:m="http://schemas.openxmlformats.org/officeDocument/2006/math" xmlns="" val="1"/>
+              <ma14:wrappingTextBoxFlag xmlns="" xmlns:m="http://schemas.openxmlformats.org/officeDocument/2006/math" xmlns:a14="http://schemas.microsoft.com/office/drawing/2010/main" xmlns:ma14="http://schemas.microsoft.com/office/mac/drawingml/2011/main" val="1"/>
             </a:ext>
           </a:extLst>
         </p:spPr>
@@ -18673,7 +18695,7 @@
           </a:ln>
           <a:extLst>
             <a:ext uri="{C572A759-6A51-4108-AA02-DFA0A04FC94B}">
-              <ma14:wrappingTextBoxFlag xmlns:ma14="http://schemas.microsoft.com/office/mac/drawingml/2011/main" xmlns:a14="http://schemas.microsoft.com/office/drawing/2010/main" xmlns:m="http://schemas.openxmlformats.org/officeDocument/2006/math" xmlns="" val="1"/>
+              <ma14:wrappingTextBoxFlag xmlns="" xmlns:m="http://schemas.openxmlformats.org/officeDocument/2006/math" xmlns:a14="http://schemas.microsoft.com/office/drawing/2010/main" xmlns:ma14="http://schemas.microsoft.com/office/mac/drawingml/2011/main" val="1"/>
             </a:ext>
           </a:extLst>
         </p:spPr>
@@ -18731,7 +18753,7 @@
           </a:ln>
           <a:extLst>
             <a:ext uri="{C572A759-6A51-4108-AA02-DFA0A04FC94B}">
-              <ma14:wrappingTextBoxFlag xmlns:ma14="http://schemas.microsoft.com/office/mac/drawingml/2011/main" xmlns:a14="http://schemas.microsoft.com/office/drawing/2010/main" xmlns:m="http://schemas.openxmlformats.org/officeDocument/2006/math" xmlns="" val="1"/>
+              <ma14:wrappingTextBoxFlag xmlns="" xmlns:m="http://schemas.openxmlformats.org/officeDocument/2006/math" xmlns:a14="http://schemas.microsoft.com/office/drawing/2010/main" xmlns:ma14="http://schemas.microsoft.com/office/mac/drawingml/2011/main" val="1"/>
             </a:ext>
           </a:extLst>
         </p:spPr>
@@ -18778,7 +18800,7 @@
           </a:ln>
           <a:extLst>
             <a:ext uri="{C572A759-6A51-4108-AA02-DFA0A04FC94B}">
-              <ma14:wrappingTextBoxFlag xmlns:ma14="http://schemas.microsoft.com/office/mac/drawingml/2011/main" xmlns:a14="http://schemas.microsoft.com/office/drawing/2010/main" xmlns:m="http://schemas.openxmlformats.org/officeDocument/2006/math" xmlns="" val="1"/>
+              <ma14:wrappingTextBoxFlag xmlns="" xmlns:m="http://schemas.openxmlformats.org/officeDocument/2006/math" xmlns:a14="http://schemas.microsoft.com/office/drawing/2010/main" xmlns:ma14="http://schemas.microsoft.com/office/mac/drawingml/2011/main" val="1"/>
             </a:ext>
           </a:extLst>
         </p:spPr>
@@ -18877,7 +18899,7 @@
           </a:ln>
           <a:extLst>
             <a:ext uri="{C572A759-6A51-4108-AA02-DFA0A04FC94B}">
-              <ma14:wrappingTextBoxFlag xmlns:ma14="http://schemas.microsoft.com/office/mac/drawingml/2011/main" xmlns:a14="http://schemas.microsoft.com/office/drawing/2010/main" xmlns:m="http://schemas.openxmlformats.org/officeDocument/2006/math" xmlns="" val="1"/>
+              <ma14:wrappingTextBoxFlag xmlns="" xmlns:m="http://schemas.openxmlformats.org/officeDocument/2006/math" xmlns:a14="http://schemas.microsoft.com/office/drawing/2010/main" xmlns:ma14="http://schemas.microsoft.com/office/mac/drawingml/2011/main" val="1"/>
             </a:ext>
           </a:extLst>
         </p:spPr>
@@ -18980,7 +19002,7 @@
           </a:ln>
           <a:extLst>
             <a:ext uri="{C572A759-6A51-4108-AA02-DFA0A04FC94B}">
-              <ma14:wrappingTextBoxFlag xmlns:ma14="http://schemas.microsoft.com/office/mac/drawingml/2011/main" xmlns:a14="http://schemas.microsoft.com/office/drawing/2010/main" xmlns:m="http://schemas.openxmlformats.org/officeDocument/2006/math" xmlns="" val="1"/>
+              <ma14:wrappingTextBoxFlag xmlns="" xmlns:m="http://schemas.openxmlformats.org/officeDocument/2006/math" xmlns:a14="http://schemas.microsoft.com/office/drawing/2010/main" xmlns:ma14="http://schemas.microsoft.com/office/mac/drawingml/2011/main" val="1"/>
             </a:ext>
           </a:extLst>
         </p:spPr>
@@ -19027,7 +19049,7 @@
           </a:ln>
           <a:extLst>
             <a:ext uri="{C572A759-6A51-4108-AA02-DFA0A04FC94B}">
-              <ma14:wrappingTextBoxFlag xmlns:ma14="http://schemas.microsoft.com/office/mac/drawingml/2011/main" xmlns:a14="http://schemas.microsoft.com/office/drawing/2010/main" xmlns:m="http://schemas.openxmlformats.org/officeDocument/2006/math" xmlns="" val="1"/>
+              <ma14:wrappingTextBoxFlag xmlns="" xmlns:m="http://schemas.openxmlformats.org/officeDocument/2006/math" xmlns:a14="http://schemas.microsoft.com/office/drawing/2010/main" xmlns:ma14="http://schemas.microsoft.com/office/mac/drawingml/2011/main" val="1"/>
             </a:ext>
           </a:extLst>
         </p:spPr>
@@ -19145,7 +19167,7 @@
           </a:ln>
           <a:extLst>
             <a:ext uri="{C572A759-6A51-4108-AA02-DFA0A04FC94B}">
-              <ma14:wrappingTextBoxFlag xmlns:ma14="http://schemas.microsoft.com/office/mac/drawingml/2011/main" xmlns:a14="http://schemas.microsoft.com/office/drawing/2010/main" xmlns:m="http://schemas.openxmlformats.org/officeDocument/2006/math" xmlns="" val="1"/>
+              <ma14:wrappingTextBoxFlag xmlns="" xmlns:m="http://schemas.openxmlformats.org/officeDocument/2006/math" xmlns:a14="http://schemas.microsoft.com/office/drawing/2010/main" xmlns:ma14="http://schemas.microsoft.com/office/mac/drawingml/2011/main" val="1"/>
             </a:ext>
           </a:extLst>
         </p:spPr>
@@ -19364,7 +19386,7 @@
           </a:ln>
           <a:extLst>
             <a:ext uri="{C572A759-6A51-4108-AA02-DFA0A04FC94B}">
-              <ma14:wrappingTextBoxFlag xmlns:ma14="http://schemas.microsoft.com/office/mac/drawingml/2011/main" xmlns:a14="http://schemas.microsoft.com/office/drawing/2010/main" xmlns:m="http://schemas.openxmlformats.org/officeDocument/2006/math" xmlns="" val="1"/>
+              <ma14:wrappingTextBoxFlag xmlns="" xmlns:m="http://schemas.openxmlformats.org/officeDocument/2006/math" xmlns:a14="http://schemas.microsoft.com/office/drawing/2010/main" xmlns:ma14="http://schemas.microsoft.com/office/mac/drawingml/2011/main" val="1"/>
             </a:ext>
           </a:extLst>
         </p:spPr>
@@ -19411,7 +19433,7 @@
           </a:ln>
           <a:extLst>
             <a:ext uri="{C572A759-6A51-4108-AA02-DFA0A04FC94B}">
-              <ma14:wrappingTextBoxFlag xmlns:ma14="http://schemas.microsoft.com/office/mac/drawingml/2011/main" xmlns:a14="http://schemas.microsoft.com/office/drawing/2010/main" xmlns:m="http://schemas.openxmlformats.org/officeDocument/2006/math" xmlns="" val="1"/>
+              <ma14:wrappingTextBoxFlag xmlns="" xmlns:m="http://schemas.openxmlformats.org/officeDocument/2006/math" xmlns:a14="http://schemas.microsoft.com/office/drawing/2010/main" xmlns:ma14="http://schemas.microsoft.com/office/mac/drawingml/2011/main" val="1"/>
             </a:ext>
           </a:extLst>
         </p:spPr>
@@ -19458,7 +19480,7 @@
           </a:ln>
           <a:extLst>
             <a:ext uri="{C572A759-6A51-4108-AA02-DFA0A04FC94B}">
-              <ma14:wrappingTextBoxFlag xmlns:ma14="http://schemas.microsoft.com/office/mac/drawingml/2011/main" xmlns:a14="http://schemas.microsoft.com/office/drawing/2010/main" xmlns:m="http://schemas.openxmlformats.org/officeDocument/2006/math" xmlns="" val="1"/>
+              <ma14:wrappingTextBoxFlag xmlns="" xmlns:m="http://schemas.openxmlformats.org/officeDocument/2006/math" xmlns:a14="http://schemas.microsoft.com/office/drawing/2010/main" xmlns:ma14="http://schemas.microsoft.com/office/mac/drawingml/2011/main" val="1"/>
             </a:ext>
           </a:extLst>
         </p:spPr>
@@ -19530,7 +19552,7 @@
           </a:ln>
           <a:extLst>
             <a:ext uri="{C572A759-6A51-4108-AA02-DFA0A04FC94B}">
-              <ma14:wrappingTextBoxFlag xmlns:ma14="http://schemas.microsoft.com/office/mac/drawingml/2011/main" xmlns:a14="http://schemas.microsoft.com/office/drawing/2010/main" xmlns:m="http://schemas.openxmlformats.org/officeDocument/2006/math" xmlns="" val="1"/>
+              <ma14:wrappingTextBoxFlag xmlns="" xmlns:m="http://schemas.openxmlformats.org/officeDocument/2006/math" xmlns:a14="http://schemas.microsoft.com/office/drawing/2010/main" xmlns:ma14="http://schemas.microsoft.com/office/mac/drawingml/2011/main" val="1"/>
             </a:ext>
           </a:extLst>
         </p:spPr>
@@ -19585,7 +19607,7 @@
           </a:ln>
           <a:extLst>
             <a:ext uri="{C572A759-6A51-4108-AA02-DFA0A04FC94B}">
-              <ma14:wrappingTextBoxFlag xmlns:ma14="http://schemas.microsoft.com/office/mac/drawingml/2011/main" xmlns:a14="http://schemas.microsoft.com/office/drawing/2010/main" xmlns:m="http://schemas.openxmlformats.org/officeDocument/2006/math" xmlns="" val="1"/>
+              <ma14:wrappingTextBoxFlag xmlns="" xmlns:m="http://schemas.openxmlformats.org/officeDocument/2006/math" xmlns:a14="http://schemas.microsoft.com/office/drawing/2010/main" xmlns:ma14="http://schemas.microsoft.com/office/mac/drawingml/2011/main" val="1"/>
             </a:ext>
           </a:extLst>
         </p:spPr>
@@ -23490,7 +23512,7 @@
             </a:ln>
             <a:extLst>
               <a:ext uri="{C572A759-6A51-4108-AA02-DFA0A04FC94B}">
-                <ma14:wrappingTextBoxFlag xmlns:ma14="http://schemas.microsoft.com/office/mac/drawingml/2011/main" xmlns:a14="http://schemas.microsoft.com/office/drawing/2010/main" xmlns:m="http://schemas.openxmlformats.org/officeDocument/2006/math" xmlns="" val="1"/>
+                <ma14:wrappingTextBoxFlag xmlns="" xmlns:m="http://schemas.openxmlformats.org/officeDocument/2006/math" xmlns:a14="http://schemas.microsoft.com/office/drawing/2010/main" xmlns:ma14="http://schemas.microsoft.com/office/mac/drawingml/2011/main" val="1"/>
               </a:ext>
             </a:extLst>
           </p:spPr>
@@ -23568,7 +23590,7 @@
           </a:ln>
           <a:extLst>
             <a:ext uri="{C572A759-6A51-4108-AA02-DFA0A04FC94B}">
-              <ma14:wrappingTextBoxFlag xmlns:ma14="http://schemas.microsoft.com/office/mac/drawingml/2011/main" xmlns:a14="http://schemas.microsoft.com/office/drawing/2010/main" xmlns:m="http://schemas.openxmlformats.org/officeDocument/2006/math" xmlns="" val="1"/>
+              <ma14:wrappingTextBoxFlag xmlns="" xmlns:m="http://schemas.openxmlformats.org/officeDocument/2006/math" xmlns:a14="http://schemas.microsoft.com/office/drawing/2010/main" xmlns:ma14="http://schemas.microsoft.com/office/mac/drawingml/2011/main" val="1"/>
             </a:ext>
           </a:extLst>
         </p:spPr>
@@ -23615,7 +23637,7 @@
           </a:ln>
           <a:extLst>
             <a:ext uri="{C572A759-6A51-4108-AA02-DFA0A04FC94B}">
-              <ma14:wrappingTextBoxFlag xmlns:ma14="http://schemas.microsoft.com/office/mac/drawingml/2011/main" xmlns:a14="http://schemas.microsoft.com/office/drawing/2010/main" xmlns:m="http://schemas.openxmlformats.org/officeDocument/2006/math" xmlns="" val="1"/>
+              <ma14:wrappingTextBoxFlag xmlns="" xmlns:m="http://schemas.openxmlformats.org/officeDocument/2006/math" xmlns:a14="http://schemas.microsoft.com/office/drawing/2010/main" xmlns:ma14="http://schemas.microsoft.com/office/mac/drawingml/2011/main" val="1"/>
             </a:ext>
           </a:extLst>
         </p:spPr>
@@ -23662,7 +23684,7 @@
           </a:ln>
           <a:extLst>
             <a:ext uri="{C572A759-6A51-4108-AA02-DFA0A04FC94B}">
-              <ma14:wrappingTextBoxFlag xmlns:ma14="http://schemas.microsoft.com/office/mac/drawingml/2011/main" xmlns:a14="http://schemas.microsoft.com/office/drawing/2010/main" xmlns:m="http://schemas.openxmlformats.org/officeDocument/2006/math" xmlns="" val="1"/>
+              <ma14:wrappingTextBoxFlag xmlns="" xmlns:m="http://schemas.openxmlformats.org/officeDocument/2006/math" xmlns:a14="http://schemas.microsoft.com/office/drawing/2010/main" xmlns:ma14="http://schemas.microsoft.com/office/mac/drawingml/2011/main" val="1"/>
             </a:ext>
           </a:extLst>
         </p:spPr>
@@ -23734,7 +23756,7 @@
           </a:ln>
           <a:extLst>
             <a:ext uri="{C572A759-6A51-4108-AA02-DFA0A04FC94B}">
-              <ma14:wrappingTextBoxFlag xmlns:ma14="http://schemas.microsoft.com/office/mac/drawingml/2011/main" xmlns:a14="http://schemas.microsoft.com/office/drawing/2010/main" xmlns:m="http://schemas.openxmlformats.org/officeDocument/2006/math" xmlns="" val="1"/>
+              <ma14:wrappingTextBoxFlag xmlns="" xmlns:m="http://schemas.openxmlformats.org/officeDocument/2006/math" xmlns:a14="http://schemas.microsoft.com/office/drawing/2010/main" xmlns:ma14="http://schemas.microsoft.com/office/mac/drawingml/2011/main" val="1"/>
             </a:ext>
           </a:extLst>
         </p:spPr>
@@ -23851,7 +23873,7 @@
           </a:ln>
           <a:extLst>
             <a:ext uri="{C572A759-6A51-4108-AA02-DFA0A04FC94B}">
-              <ma14:wrappingTextBoxFlag xmlns:ma14="http://schemas.microsoft.com/office/mac/drawingml/2011/main" xmlns:a14="http://schemas.microsoft.com/office/drawing/2010/main" xmlns:m="http://schemas.openxmlformats.org/officeDocument/2006/math" xmlns="" val="1"/>
+              <ma14:wrappingTextBoxFlag xmlns="" xmlns:m="http://schemas.openxmlformats.org/officeDocument/2006/math" xmlns:a14="http://schemas.microsoft.com/office/drawing/2010/main" xmlns:ma14="http://schemas.microsoft.com/office/mac/drawingml/2011/main" val="1"/>
             </a:ext>
           </a:extLst>
         </p:spPr>
@@ -23906,7 +23928,7 @@
           </a:ln>
           <a:extLst>
             <a:ext uri="{C572A759-6A51-4108-AA02-DFA0A04FC94B}">
-              <ma14:wrappingTextBoxFlag xmlns:ma14="http://schemas.microsoft.com/office/mac/drawingml/2011/main" xmlns:a14="http://schemas.microsoft.com/office/drawing/2010/main" xmlns:m="http://schemas.openxmlformats.org/officeDocument/2006/math" xmlns="" val="1"/>
+              <ma14:wrappingTextBoxFlag xmlns="" xmlns:m="http://schemas.openxmlformats.org/officeDocument/2006/math" xmlns:a14="http://schemas.microsoft.com/office/drawing/2010/main" xmlns:ma14="http://schemas.microsoft.com/office/mac/drawingml/2011/main" val="1"/>
             </a:ext>
           </a:extLst>
         </p:spPr>
@@ -27740,7 +27762,7 @@
             </a:ln>
             <a:extLst>
               <a:ext uri="{C572A759-6A51-4108-AA02-DFA0A04FC94B}">
-                <ma14:wrappingTextBoxFlag xmlns:ma14="http://schemas.microsoft.com/office/mac/drawingml/2011/main" xmlns:a14="http://schemas.microsoft.com/office/drawing/2010/main" xmlns:m="http://schemas.openxmlformats.org/officeDocument/2006/math" xmlns="" val="1"/>
+                <ma14:wrappingTextBoxFlag xmlns="" xmlns:m="http://schemas.openxmlformats.org/officeDocument/2006/math" xmlns:a14="http://schemas.microsoft.com/office/drawing/2010/main" xmlns:ma14="http://schemas.microsoft.com/office/mac/drawingml/2011/main" val="1"/>
               </a:ext>
             </a:extLst>
           </p:spPr>
@@ -27818,7 +27840,7 @@
           </a:ln>
           <a:extLst>
             <a:ext uri="{C572A759-6A51-4108-AA02-DFA0A04FC94B}">
-              <ma14:wrappingTextBoxFlag xmlns:ma14="http://schemas.microsoft.com/office/mac/drawingml/2011/main" xmlns:a14="http://schemas.microsoft.com/office/drawing/2010/main" xmlns:m="http://schemas.openxmlformats.org/officeDocument/2006/math" xmlns="" val="1"/>
+              <ma14:wrappingTextBoxFlag xmlns="" xmlns:m="http://schemas.openxmlformats.org/officeDocument/2006/math" xmlns:a14="http://schemas.microsoft.com/office/drawing/2010/main" xmlns:ma14="http://schemas.microsoft.com/office/mac/drawingml/2011/main" val="1"/>
             </a:ext>
           </a:extLst>
         </p:spPr>
@@ -27865,7 +27887,7 @@
           </a:ln>
           <a:extLst>
             <a:ext uri="{C572A759-6A51-4108-AA02-DFA0A04FC94B}">
-              <ma14:wrappingTextBoxFlag xmlns:ma14="http://schemas.microsoft.com/office/mac/drawingml/2011/main" xmlns:a14="http://schemas.microsoft.com/office/drawing/2010/main" xmlns:m="http://schemas.openxmlformats.org/officeDocument/2006/math" xmlns="" val="1"/>
+              <ma14:wrappingTextBoxFlag xmlns="" xmlns:m="http://schemas.openxmlformats.org/officeDocument/2006/math" xmlns:a14="http://schemas.microsoft.com/office/drawing/2010/main" xmlns:ma14="http://schemas.microsoft.com/office/mac/drawingml/2011/main" val="1"/>
             </a:ext>
           </a:extLst>
         </p:spPr>
@@ -27912,7 +27934,7 @@
           </a:ln>
           <a:extLst>
             <a:ext uri="{C572A759-6A51-4108-AA02-DFA0A04FC94B}">
-              <ma14:wrappingTextBoxFlag xmlns:ma14="http://schemas.microsoft.com/office/mac/drawingml/2011/main" xmlns:a14="http://schemas.microsoft.com/office/drawing/2010/main" xmlns:m="http://schemas.openxmlformats.org/officeDocument/2006/math" xmlns="" val="1"/>
+              <ma14:wrappingTextBoxFlag xmlns="" xmlns:m="http://schemas.openxmlformats.org/officeDocument/2006/math" xmlns:a14="http://schemas.microsoft.com/office/drawing/2010/main" xmlns:ma14="http://schemas.microsoft.com/office/mac/drawingml/2011/main" val="1"/>
             </a:ext>
           </a:extLst>
         </p:spPr>
@@ -27984,7 +28006,7 @@
           </a:ln>
           <a:extLst>
             <a:ext uri="{C572A759-6A51-4108-AA02-DFA0A04FC94B}">
-              <ma14:wrappingTextBoxFlag xmlns:ma14="http://schemas.microsoft.com/office/mac/drawingml/2011/main" xmlns:a14="http://schemas.microsoft.com/office/drawing/2010/main" xmlns:m="http://schemas.openxmlformats.org/officeDocument/2006/math" xmlns="" val="1"/>
+              <ma14:wrappingTextBoxFlag xmlns="" xmlns:m="http://schemas.openxmlformats.org/officeDocument/2006/math" xmlns:a14="http://schemas.microsoft.com/office/drawing/2010/main" xmlns:ma14="http://schemas.microsoft.com/office/mac/drawingml/2011/main" val="1"/>
             </a:ext>
           </a:extLst>
         </p:spPr>
@@ -31708,7 +31730,7 @@
             </a:ln>
             <a:extLst>
               <a:ext uri="{C572A759-6A51-4108-AA02-DFA0A04FC94B}">
-                <ma14:wrappingTextBoxFlag xmlns:ma14="http://schemas.microsoft.com/office/mac/drawingml/2011/main" xmlns:a14="http://schemas.microsoft.com/office/drawing/2010/main" xmlns:m="http://schemas.openxmlformats.org/officeDocument/2006/math" xmlns="" val="1"/>
+                <ma14:wrappingTextBoxFlag xmlns="" xmlns:m="http://schemas.openxmlformats.org/officeDocument/2006/math" xmlns:a14="http://schemas.microsoft.com/office/drawing/2010/main" xmlns:ma14="http://schemas.microsoft.com/office/mac/drawingml/2011/main" val="1"/>
               </a:ext>
             </a:extLst>
           </p:spPr>
@@ -31786,7 +31808,7 @@
           </a:ln>
           <a:extLst>
             <a:ext uri="{C572A759-6A51-4108-AA02-DFA0A04FC94B}">
-              <ma14:wrappingTextBoxFlag xmlns:ma14="http://schemas.microsoft.com/office/mac/drawingml/2011/main" xmlns:a14="http://schemas.microsoft.com/office/drawing/2010/main" xmlns:m="http://schemas.openxmlformats.org/officeDocument/2006/math" xmlns="" val="1"/>
+              <ma14:wrappingTextBoxFlag xmlns="" xmlns:m="http://schemas.openxmlformats.org/officeDocument/2006/math" xmlns:a14="http://schemas.microsoft.com/office/drawing/2010/main" xmlns:ma14="http://schemas.microsoft.com/office/mac/drawingml/2011/main" val="1"/>
             </a:ext>
           </a:extLst>
         </p:spPr>
@@ -31833,7 +31855,7 @@
           </a:ln>
           <a:extLst>
             <a:ext uri="{C572A759-6A51-4108-AA02-DFA0A04FC94B}">
-              <ma14:wrappingTextBoxFlag xmlns:ma14="http://schemas.microsoft.com/office/mac/drawingml/2011/main" xmlns:a14="http://schemas.microsoft.com/office/drawing/2010/main" xmlns:m="http://schemas.openxmlformats.org/officeDocument/2006/math" xmlns="" val="1"/>
+              <ma14:wrappingTextBoxFlag xmlns="" xmlns:m="http://schemas.openxmlformats.org/officeDocument/2006/math" xmlns:a14="http://schemas.microsoft.com/office/drawing/2010/main" xmlns:ma14="http://schemas.microsoft.com/office/mac/drawingml/2011/main" val="1"/>
             </a:ext>
           </a:extLst>
         </p:spPr>
@@ -31880,7 +31902,7 @@
           </a:ln>
           <a:extLst>
             <a:ext uri="{C572A759-6A51-4108-AA02-DFA0A04FC94B}">
-              <ma14:wrappingTextBoxFlag xmlns:ma14="http://schemas.microsoft.com/office/mac/drawingml/2011/main" xmlns:a14="http://schemas.microsoft.com/office/drawing/2010/main" xmlns:m="http://schemas.openxmlformats.org/officeDocument/2006/math" xmlns="" val="1"/>
+              <ma14:wrappingTextBoxFlag xmlns="" xmlns:m="http://schemas.openxmlformats.org/officeDocument/2006/math" xmlns:a14="http://schemas.microsoft.com/office/drawing/2010/main" xmlns:ma14="http://schemas.microsoft.com/office/mac/drawingml/2011/main" val="1"/>
             </a:ext>
           </a:extLst>
         </p:spPr>
@@ -34941,7 +34963,7 @@
           </a:ln>
           <a:extLst>
             <a:ext uri="{C572A759-6A51-4108-AA02-DFA0A04FC94B}">
-              <ma14:wrappingTextBoxFlag xmlns:ma14="http://schemas.microsoft.com/office/mac/drawingml/2011/main" xmlns:a14="http://schemas.microsoft.com/office/drawing/2010/main" xmlns:m="http://schemas.openxmlformats.org/officeDocument/2006/math" xmlns="" val="1"/>
+              <ma14:wrappingTextBoxFlag xmlns="" xmlns:m="http://schemas.openxmlformats.org/officeDocument/2006/math" xmlns:a14="http://schemas.microsoft.com/office/drawing/2010/main" xmlns:ma14="http://schemas.microsoft.com/office/mac/drawingml/2011/main" val="1"/>
             </a:ext>
           </a:extLst>
         </p:spPr>
@@ -34996,7 +35018,7 @@
           </a:ln>
           <a:extLst>
             <a:ext uri="{C572A759-6A51-4108-AA02-DFA0A04FC94B}">
-              <ma14:wrappingTextBoxFlag xmlns:ma14="http://schemas.microsoft.com/office/mac/drawingml/2011/main" xmlns:a14="http://schemas.microsoft.com/office/drawing/2010/main" xmlns:m="http://schemas.openxmlformats.org/officeDocument/2006/math" xmlns="" val="1"/>
+              <ma14:wrappingTextBoxFlag xmlns="" xmlns:m="http://schemas.openxmlformats.org/officeDocument/2006/math" xmlns:a14="http://schemas.microsoft.com/office/drawing/2010/main" xmlns:ma14="http://schemas.microsoft.com/office/mac/drawingml/2011/main" val="1"/>
             </a:ext>
           </a:extLst>
         </p:spPr>
@@ -35176,7 +35198,7 @@
           </a:ln>
           <a:extLst>
             <a:ext uri="{C572A759-6A51-4108-AA02-DFA0A04FC94B}">
-              <ma14:wrappingTextBoxFlag xmlns:ma14="http://schemas.microsoft.com/office/mac/drawingml/2011/main" xmlns:a14="http://schemas.microsoft.com/office/drawing/2010/main" xmlns:m="http://schemas.openxmlformats.org/officeDocument/2006/math" xmlns="" val="1"/>
+              <ma14:wrappingTextBoxFlag xmlns="" xmlns:m="http://schemas.openxmlformats.org/officeDocument/2006/math" xmlns:a14="http://schemas.microsoft.com/office/drawing/2010/main" xmlns:ma14="http://schemas.microsoft.com/office/mac/drawingml/2011/main" val="1"/>
             </a:ext>
           </a:extLst>
         </p:spPr>
@@ -35223,7 +35245,7 @@
           </a:ln>
           <a:extLst>
             <a:ext uri="{C572A759-6A51-4108-AA02-DFA0A04FC94B}">
-              <ma14:wrappingTextBoxFlag xmlns:ma14="http://schemas.microsoft.com/office/mac/drawingml/2011/main" xmlns:a14="http://schemas.microsoft.com/office/drawing/2010/main" xmlns:m="http://schemas.openxmlformats.org/officeDocument/2006/math" xmlns="" val="1"/>
+              <ma14:wrappingTextBoxFlag xmlns="" xmlns:m="http://schemas.openxmlformats.org/officeDocument/2006/math" xmlns:a14="http://schemas.microsoft.com/office/drawing/2010/main" xmlns:ma14="http://schemas.microsoft.com/office/mac/drawingml/2011/main" val="1"/>
             </a:ext>
           </a:extLst>
         </p:spPr>
@@ -35270,7 +35292,7 @@
           </a:ln>
           <a:extLst>
             <a:ext uri="{C572A759-6A51-4108-AA02-DFA0A04FC94B}">
-              <ma14:wrappingTextBoxFlag xmlns:ma14="http://schemas.microsoft.com/office/mac/drawingml/2011/main" xmlns:a14="http://schemas.microsoft.com/office/drawing/2010/main" xmlns:m="http://schemas.openxmlformats.org/officeDocument/2006/math" xmlns="" val="1"/>
+              <ma14:wrappingTextBoxFlag xmlns="" xmlns:m="http://schemas.openxmlformats.org/officeDocument/2006/math" xmlns:a14="http://schemas.microsoft.com/office/drawing/2010/main" xmlns:ma14="http://schemas.microsoft.com/office/mac/drawingml/2011/main" val="1"/>
             </a:ext>
           </a:extLst>
         </p:spPr>
@@ -35342,7 +35364,7 @@
           </a:ln>
           <a:extLst>
             <a:ext uri="{C572A759-6A51-4108-AA02-DFA0A04FC94B}">
-              <ma14:wrappingTextBoxFlag xmlns:ma14="http://schemas.microsoft.com/office/mac/drawingml/2011/main" xmlns:a14="http://schemas.microsoft.com/office/drawing/2010/main" xmlns:m="http://schemas.openxmlformats.org/officeDocument/2006/math" xmlns="" val="1"/>
+              <ma14:wrappingTextBoxFlag xmlns="" xmlns:m="http://schemas.openxmlformats.org/officeDocument/2006/math" xmlns:a14="http://schemas.microsoft.com/office/drawing/2010/main" xmlns:ma14="http://schemas.microsoft.com/office/mac/drawingml/2011/main" val="1"/>
             </a:ext>
           </a:extLst>
         </p:spPr>
@@ -37143,7 +37165,7 @@
           </a:ln>
           <a:extLst>
             <a:ext uri="{C572A759-6A51-4108-AA02-DFA0A04FC94B}">
-              <ma14:wrappingTextBoxFlag xmlns:ma14="http://schemas.microsoft.com/office/mac/drawingml/2011/main" xmlns:a14="http://schemas.microsoft.com/office/drawing/2010/main" xmlns:m="http://schemas.openxmlformats.org/officeDocument/2006/math" xmlns="" val="1"/>
+              <ma14:wrappingTextBoxFlag xmlns="" xmlns:m="http://schemas.openxmlformats.org/officeDocument/2006/math" xmlns:a14="http://schemas.microsoft.com/office/drawing/2010/main" xmlns:ma14="http://schemas.microsoft.com/office/mac/drawingml/2011/main" val="1"/>
             </a:ext>
           </a:extLst>
         </p:spPr>
@@ -37238,7 +37260,7 @@
           </a:ln>
           <a:extLst>
             <a:ext uri="{C572A759-6A51-4108-AA02-DFA0A04FC94B}">
-              <ma14:wrappingTextBoxFlag xmlns:ma14="http://schemas.microsoft.com/office/mac/drawingml/2011/main" xmlns:a14="http://schemas.microsoft.com/office/drawing/2010/main" xmlns:m="http://schemas.openxmlformats.org/officeDocument/2006/math" xmlns="" val="1"/>
+              <ma14:wrappingTextBoxFlag xmlns="" xmlns:m="http://schemas.openxmlformats.org/officeDocument/2006/math" xmlns:a14="http://schemas.microsoft.com/office/drawing/2010/main" xmlns:ma14="http://schemas.microsoft.com/office/mac/drawingml/2011/main" val="1"/>
             </a:ext>
           </a:extLst>
         </p:spPr>
@@ -37621,7 +37643,7 @@
           </a:ln>
           <a:extLst>
             <a:ext uri="{C572A759-6A51-4108-AA02-DFA0A04FC94B}">
-              <ma14:wrappingTextBoxFlag xmlns:ma14="http://schemas.microsoft.com/office/mac/drawingml/2011/main" xmlns:a14="http://schemas.microsoft.com/office/drawing/2010/main" xmlns:m="http://schemas.openxmlformats.org/officeDocument/2006/math" xmlns="" val="1"/>
+              <ma14:wrappingTextBoxFlag xmlns="" xmlns:m="http://schemas.openxmlformats.org/officeDocument/2006/math" xmlns:a14="http://schemas.microsoft.com/office/drawing/2010/main" xmlns:ma14="http://schemas.microsoft.com/office/mac/drawingml/2011/main" val="1"/>
             </a:ext>
           </a:extLst>
         </p:spPr>
@@ -37695,7 +37717,7 @@
           </a:ln>
           <a:extLst>
             <a:ext uri="{C572A759-6A51-4108-AA02-DFA0A04FC94B}">
-              <ma14:wrappingTextBoxFlag xmlns:ma14="http://schemas.microsoft.com/office/mac/drawingml/2011/main" xmlns:a14="http://schemas.microsoft.com/office/drawing/2010/main" xmlns:m="http://schemas.openxmlformats.org/officeDocument/2006/math" xmlns="" val="1"/>
+              <ma14:wrappingTextBoxFlag xmlns="" xmlns:m="http://schemas.openxmlformats.org/officeDocument/2006/math" xmlns:a14="http://schemas.microsoft.com/office/drawing/2010/main" xmlns:ma14="http://schemas.microsoft.com/office/mac/drawingml/2011/main" val="1"/>
             </a:ext>
           </a:extLst>
         </p:spPr>
@@ -37741,7 +37763,7 @@
           </a:ln>
           <a:extLst>
             <a:ext uri="{C572A759-6A51-4108-AA02-DFA0A04FC94B}">
-              <ma14:wrappingTextBoxFlag xmlns:ma14="http://schemas.microsoft.com/office/mac/drawingml/2011/main" xmlns:a14="http://schemas.microsoft.com/office/drawing/2010/main" xmlns:m="http://schemas.openxmlformats.org/officeDocument/2006/math" xmlns="" val="1"/>
+              <ma14:wrappingTextBoxFlag xmlns="" xmlns:m="http://schemas.openxmlformats.org/officeDocument/2006/math" xmlns:a14="http://schemas.microsoft.com/office/drawing/2010/main" xmlns:ma14="http://schemas.microsoft.com/office/mac/drawingml/2011/main" val="1"/>
             </a:ext>
           </a:extLst>
         </p:spPr>
@@ -37788,7 +37810,7 @@
           </a:ln>
           <a:extLst>
             <a:ext uri="{C572A759-6A51-4108-AA02-DFA0A04FC94B}">
-              <ma14:wrappingTextBoxFlag xmlns:ma14="http://schemas.microsoft.com/office/mac/drawingml/2011/main" xmlns:a14="http://schemas.microsoft.com/office/drawing/2010/main" xmlns:m="http://schemas.openxmlformats.org/officeDocument/2006/math" xmlns="" val="1"/>
+              <ma14:wrappingTextBoxFlag xmlns="" xmlns:m="http://schemas.openxmlformats.org/officeDocument/2006/math" xmlns:a14="http://schemas.microsoft.com/office/drawing/2010/main" xmlns:ma14="http://schemas.microsoft.com/office/mac/drawingml/2011/main" val="1"/>
             </a:ext>
           </a:extLst>
         </p:spPr>
@@ -37835,7 +37857,7 @@
           </a:ln>
           <a:extLst>
             <a:ext uri="{C572A759-6A51-4108-AA02-DFA0A04FC94B}">
-              <ma14:wrappingTextBoxFlag xmlns:ma14="http://schemas.microsoft.com/office/mac/drawingml/2011/main" xmlns:a14="http://schemas.microsoft.com/office/drawing/2010/main" xmlns:m="http://schemas.openxmlformats.org/officeDocument/2006/math" xmlns="" val="1"/>
+              <ma14:wrappingTextBoxFlag xmlns="" xmlns:m="http://schemas.openxmlformats.org/officeDocument/2006/math" xmlns:a14="http://schemas.microsoft.com/office/drawing/2010/main" xmlns:ma14="http://schemas.microsoft.com/office/mac/drawingml/2011/main" val="1"/>
             </a:ext>
           </a:extLst>
         </p:spPr>
@@ -37907,7 +37929,7 @@
           </a:ln>
           <a:extLst>
             <a:ext uri="{C572A759-6A51-4108-AA02-DFA0A04FC94B}">
-              <ma14:wrappingTextBoxFlag xmlns:ma14="http://schemas.microsoft.com/office/mac/drawingml/2011/main" xmlns:a14="http://schemas.microsoft.com/office/drawing/2010/main" xmlns:m="http://schemas.openxmlformats.org/officeDocument/2006/math" xmlns="" val="1"/>
+              <ma14:wrappingTextBoxFlag xmlns="" xmlns:m="http://schemas.openxmlformats.org/officeDocument/2006/math" xmlns:a14="http://schemas.microsoft.com/office/drawing/2010/main" xmlns:ma14="http://schemas.microsoft.com/office/mac/drawingml/2011/main" val="1"/>
             </a:ext>
           </a:extLst>
         </p:spPr>
@@ -38106,7 +38128,7 @@
           </a:ln>
           <a:extLst>
             <a:ext uri="{C572A759-6A51-4108-AA02-DFA0A04FC94B}">
-              <ma14:wrappingTextBoxFlag xmlns:ma14="http://schemas.microsoft.com/office/mac/drawingml/2011/main" xmlns:a14="http://schemas.microsoft.com/office/drawing/2010/main" xmlns:m="http://schemas.openxmlformats.org/officeDocument/2006/math" xmlns="" val="1"/>
+              <ma14:wrappingTextBoxFlag xmlns="" xmlns:m="http://schemas.openxmlformats.org/officeDocument/2006/math" xmlns:a14="http://schemas.microsoft.com/office/drawing/2010/main" xmlns:ma14="http://schemas.microsoft.com/office/mac/drawingml/2011/main" val="1"/>
             </a:ext>
           </a:extLst>
         </p:spPr>
@@ -38188,7 +38210,7 @@
           </a:ln>
           <a:extLst>
             <a:ext uri="{C572A759-6A51-4108-AA02-DFA0A04FC94B}">
-              <ma14:wrappingTextBoxFlag xmlns:ma14="http://schemas.microsoft.com/office/mac/drawingml/2011/main" xmlns:a14="http://schemas.microsoft.com/office/drawing/2010/main" xmlns:m="http://schemas.openxmlformats.org/officeDocument/2006/math" xmlns="" val="1"/>
+              <ma14:wrappingTextBoxFlag xmlns="" xmlns:m="http://schemas.openxmlformats.org/officeDocument/2006/math" xmlns:a14="http://schemas.microsoft.com/office/drawing/2010/main" xmlns:ma14="http://schemas.microsoft.com/office/mac/drawingml/2011/main" val="1"/>
             </a:ext>
           </a:extLst>
         </p:spPr>
@@ -38298,7 +38320,7 @@
           </a:ln>
           <a:extLst>
             <a:ext uri="{C572A759-6A51-4108-AA02-DFA0A04FC94B}">
-              <ma14:wrappingTextBoxFlag xmlns:ma14="http://schemas.microsoft.com/office/mac/drawingml/2011/main" xmlns:a14="http://schemas.microsoft.com/office/drawing/2010/main" xmlns:m="http://schemas.openxmlformats.org/officeDocument/2006/math" xmlns="" val="1"/>
+              <ma14:wrappingTextBoxFlag xmlns="" xmlns:m="http://schemas.openxmlformats.org/officeDocument/2006/math" xmlns:a14="http://schemas.microsoft.com/office/drawing/2010/main" xmlns:ma14="http://schemas.microsoft.com/office/mac/drawingml/2011/main" val="1"/>
             </a:ext>
           </a:extLst>
         </p:spPr>
@@ -38344,7 +38366,7 @@
           </a:ln>
           <a:extLst>
             <a:ext uri="{C572A759-6A51-4108-AA02-DFA0A04FC94B}">
-              <ma14:wrappingTextBoxFlag xmlns:ma14="http://schemas.microsoft.com/office/mac/drawingml/2011/main" xmlns:a14="http://schemas.microsoft.com/office/drawing/2010/main" xmlns:m="http://schemas.openxmlformats.org/officeDocument/2006/math" xmlns="" val="1"/>
+              <ma14:wrappingTextBoxFlag xmlns="" xmlns:m="http://schemas.openxmlformats.org/officeDocument/2006/math" xmlns:a14="http://schemas.microsoft.com/office/drawing/2010/main" xmlns:ma14="http://schemas.microsoft.com/office/mac/drawingml/2011/main" val="1"/>
             </a:ext>
           </a:extLst>
         </p:spPr>
@@ -38391,7 +38413,7 @@
           </a:ln>
           <a:extLst>
             <a:ext uri="{C572A759-6A51-4108-AA02-DFA0A04FC94B}">
-              <ma14:wrappingTextBoxFlag xmlns:ma14="http://schemas.microsoft.com/office/mac/drawingml/2011/main" xmlns:a14="http://schemas.microsoft.com/office/drawing/2010/main" xmlns:m="http://schemas.openxmlformats.org/officeDocument/2006/math" xmlns="" val="1"/>
+              <ma14:wrappingTextBoxFlag xmlns="" xmlns:m="http://schemas.openxmlformats.org/officeDocument/2006/math" xmlns:a14="http://schemas.microsoft.com/office/drawing/2010/main" xmlns:ma14="http://schemas.microsoft.com/office/mac/drawingml/2011/main" val="1"/>
             </a:ext>
           </a:extLst>
         </p:spPr>
@@ -38438,7 +38460,7 @@
           </a:ln>
           <a:extLst>
             <a:ext uri="{C572A759-6A51-4108-AA02-DFA0A04FC94B}">
-              <ma14:wrappingTextBoxFlag xmlns:ma14="http://schemas.microsoft.com/office/mac/drawingml/2011/main" xmlns:a14="http://schemas.microsoft.com/office/drawing/2010/main" xmlns:m="http://schemas.openxmlformats.org/officeDocument/2006/math" xmlns="" val="1"/>
+              <ma14:wrappingTextBoxFlag xmlns="" xmlns:m="http://schemas.openxmlformats.org/officeDocument/2006/math" xmlns:a14="http://schemas.microsoft.com/office/drawing/2010/main" xmlns:ma14="http://schemas.microsoft.com/office/mac/drawingml/2011/main" val="1"/>
             </a:ext>
           </a:extLst>
         </p:spPr>
@@ -38510,7 +38532,7 @@
           </a:ln>
           <a:extLst>
             <a:ext uri="{C572A759-6A51-4108-AA02-DFA0A04FC94B}">
-              <ma14:wrappingTextBoxFlag xmlns:ma14="http://schemas.microsoft.com/office/mac/drawingml/2011/main" xmlns:a14="http://schemas.microsoft.com/office/drawing/2010/main" xmlns:m="http://schemas.openxmlformats.org/officeDocument/2006/math" xmlns="" val="1"/>
+              <ma14:wrappingTextBoxFlag xmlns="" xmlns:m="http://schemas.openxmlformats.org/officeDocument/2006/math" xmlns:a14="http://schemas.microsoft.com/office/drawing/2010/main" xmlns:ma14="http://schemas.microsoft.com/office/mac/drawingml/2011/main" val="1"/>
             </a:ext>
           </a:extLst>
         </p:spPr>
@@ -38689,7 +38711,7 @@
             <a:effectLst/>
             <a:extLst>
               <a:ext uri="{C572A759-6A51-4108-AA02-DFA0A04FC94B}">
-                <ma14:wrappingTextBoxFlag xmlns:ma14="http://schemas.microsoft.com/office/mac/drawingml/2011/main" xmlns:a14="http://schemas.microsoft.com/office/drawing/2010/main" xmlns:m="http://schemas.openxmlformats.org/officeDocument/2006/math" xmlns="" val="1"/>
+                <ma14:wrappingTextBoxFlag xmlns="" xmlns:m="http://schemas.openxmlformats.org/officeDocument/2006/math" xmlns:a14="http://schemas.microsoft.com/office/drawing/2010/main" xmlns:ma14="http://schemas.microsoft.com/office/mac/drawingml/2011/main" val="1"/>
               </a:ext>
             </a:extLst>
           </p:spPr>
@@ -39109,7 +39131,7 @@
             <a:effectLst/>
             <a:extLst>
               <a:ext uri="{C572A759-6A51-4108-AA02-DFA0A04FC94B}">
-                <ma14:wrappingTextBoxFlag xmlns:ma14="http://schemas.microsoft.com/office/mac/drawingml/2011/main" xmlns:a14="http://schemas.microsoft.com/office/drawing/2010/main" xmlns:m="http://schemas.openxmlformats.org/officeDocument/2006/math" xmlns="" val="1"/>
+                <ma14:wrappingTextBoxFlag xmlns="" xmlns:m="http://schemas.openxmlformats.org/officeDocument/2006/math" xmlns:a14="http://schemas.microsoft.com/office/drawing/2010/main" xmlns:ma14="http://schemas.microsoft.com/office/mac/drawingml/2011/main" val="1"/>
               </a:ext>
             </a:extLst>
           </p:spPr>
@@ -39442,7 +39464,7 @@
           </a:ln>
           <a:extLst>
             <a:ext uri="{C572A759-6A51-4108-AA02-DFA0A04FC94B}">
-              <ma14:wrappingTextBoxFlag xmlns:ma14="http://schemas.microsoft.com/office/mac/drawingml/2011/main" xmlns:a14="http://schemas.microsoft.com/office/drawing/2010/main" xmlns:m="http://schemas.openxmlformats.org/officeDocument/2006/math" xmlns="" val="1"/>
+              <ma14:wrappingTextBoxFlag xmlns="" xmlns:m="http://schemas.openxmlformats.org/officeDocument/2006/math" xmlns:a14="http://schemas.microsoft.com/office/drawing/2010/main" xmlns:ma14="http://schemas.microsoft.com/office/mac/drawingml/2011/main" val="1"/>
             </a:ext>
           </a:extLst>
         </p:spPr>
@@ -39488,7 +39510,7 @@
           </a:ln>
           <a:extLst>
             <a:ext uri="{C572A759-6A51-4108-AA02-DFA0A04FC94B}">
-              <ma14:wrappingTextBoxFlag xmlns:ma14="http://schemas.microsoft.com/office/mac/drawingml/2011/main" xmlns:a14="http://schemas.microsoft.com/office/drawing/2010/main" xmlns:m="http://schemas.openxmlformats.org/officeDocument/2006/math" xmlns="" val="1"/>
+              <ma14:wrappingTextBoxFlag xmlns="" xmlns:m="http://schemas.openxmlformats.org/officeDocument/2006/math" xmlns:a14="http://schemas.microsoft.com/office/drawing/2010/main" xmlns:ma14="http://schemas.microsoft.com/office/mac/drawingml/2011/main" val="1"/>
             </a:ext>
           </a:extLst>
         </p:spPr>
@@ -39535,7 +39557,7 @@
           </a:ln>
           <a:extLst>
             <a:ext uri="{C572A759-6A51-4108-AA02-DFA0A04FC94B}">
-              <ma14:wrappingTextBoxFlag xmlns:ma14="http://schemas.microsoft.com/office/mac/drawingml/2011/main" xmlns:a14="http://schemas.microsoft.com/office/drawing/2010/main" xmlns:m="http://schemas.openxmlformats.org/officeDocument/2006/math" xmlns="" val="1"/>
+              <ma14:wrappingTextBoxFlag xmlns="" xmlns:m="http://schemas.openxmlformats.org/officeDocument/2006/math" xmlns:a14="http://schemas.microsoft.com/office/drawing/2010/main" xmlns:ma14="http://schemas.microsoft.com/office/mac/drawingml/2011/main" val="1"/>
             </a:ext>
           </a:extLst>
         </p:spPr>
@@ -39582,7 +39604,7 @@
           </a:ln>
           <a:extLst>
             <a:ext uri="{C572A759-6A51-4108-AA02-DFA0A04FC94B}">
-              <ma14:wrappingTextBoxFlag xmlns:ma14="http://schemas.microsoft.com/office/mac/drawingml/2011/main" xmlns:a14="http://schemas.microsoft.com/office/drawing/2010/main" xmlns:m="http://schemas.openxmlformats.org/officeDocument/2006/math" xmlns="" val="1"/>
+              <ma14:wrappingTextBoxFlag xmlns="" xmlns:m="http://schemas.openxmlformats.org/officeDocument/2006/math" xmlns:a14="http://schemas.microsoft.com/office/drawing/2010/main" xmlns:ma14="http://schemas.microsoft.com/office/mac/drawingml/2011/main" val="1"/>
             </a:ext>
           </a:extLst>
         </p:spPr>
@@ -39828,7 +39850,7 @@
             <a:effectLst/>
             <a:extLst>
               <a:ext uri="{C572A759-6A51-4108-AA02-DFA0A04FC94B}">
-                <ma14:wrappingTextBoxFlag xmlns:ma14="http://schemas.microsoft.com/office/mac/drawingml/2011/main" xmlns:a14="http://schemas.microsoft.com/office/drawing/2010/main" xmlns:m="http://schemas.openxmlformats.org/officeDocument/2006/math" xmlns="" val="1"/>
+                <ma14:wrappingTextBoxFlag xmlns="" xmlns:m="http://schemas.openxmlformats.org/officeDocument/2006/math" xmlns:a14="http://schemas.microsoft.com/office/drawing/2010/main" xmlns:ma14="http://schemas.microsoft.com/office/mac/drawingml/2011/main" val="1"/>
               </a:ext>
             </a:extLst>
           </p:spPr>
@@ -40030,7 +40052,7 @@
           </a:ln>
           <a:extLst>
             <a:ext uri="{C572A759-6A51-4108-AA02-DFA0A04FC94B}">
-              <ma14:wrappingTextBoxFlag xmlns:ma14="http://schemas.microsoft.com/office/mac/drawingml/2011/main" xmlns:a14="http://schemas.microsoft.com/office/drawing/2010/main" xmlns:m="http://schemas.openxmlformats.org/officeDocument/2006/math" xmlns="" val="1"/>
+              <ma14:wrappingTextBoxFlag xmlns="" xmlns:m="http://schemas.openxmlformats.org/officeDocument/2006/math" xmlns:a14="http://schemas.microsoft.com/office/drawing/2010/main" xmlns:ma14="http://schemas.microsoft.com/office/mac/drawingml/2011/main" val="1"/>
             </a:ext>
           </a:extLst>
         </p:spPr>
@@ -40088,7 +40110,7 @@
           </a:ln>
           <a:extLst>
             <a:ext uri="{C572A759-6A51-4108-AA02-DFA0A04FC94B}">
-              <ma14:wrappingTextBoxFlag xmlns:ma14="http://schemas.microsoft.com/office/mac/drawingml/2011/main" xmlns:a14="http://schemas.microsoft.com/office/drawing/2010/main" xmlns:m="http://schemas.openxmlformats.org/officeDocument/2006/math" xmlns="" val="1"/>
+              <ma14:wrappingTextBoxFlag xmlns="" xmlns:m="http://schemas.openxmlformats.org/officeDocument/2006/math" xmlns:a14="http://schemas.microsoft.com/office/drawing/2010/main" xmlns:ma14="http://schemas.microsoft.com/office/mac/drawingml/2011/main" val="1"/>
             </a:ext>
           </a:extLst>
         </p:spPr>
@@ -40143,7 +40165,7 @@
           </a:ln>
           <a:extLst>
             <a:ext uri="{C572A759-6A51-4108-AA02-DFA0A04FC94B}">
-              <ma14:wrappingTextBoxFlag xmlns:ma14="http://schemas.microsoft.com/office/mac/drawingml/2011/main" xmlns:a14="http://schemas.microsoft.com/office/drawing/2010/main" xmlns:m="http://schemas.openxmlformats.org/officeDocument/2006/math" xmlns="" val="1"/>
+              <ma14:wrappingTextBoxFlag xmlns="" xmlns:m="http://schemas.openxmlformats.org/officeDocument/2006/math" xmlns:a14="http://schemas.microsoft.com/office/drawing/2010/main" xmlns:ma14="http://schemas.microsoft.com/office/mac/drawingml/2011/main" val="1"/>
             </a:ext>
           </a:extLst>
         </p:spPr>
@@ -40190,7 +40212,7 @@
           </a:ln>
           <a:extLst>
             <a:ext uri="{C572A759-6A51-4108-AA02-DFA0A04FC94B}">
-              <ma14:wrappingTextBoxFlag xmlns:ma14="http://schemas.microsoft.com/office/mac/drawingml/2011/main" xmlns:a14="http://schemas.microsoft.com/office/drawing/2010/main" xmlns:m="http://schemas.openxmlformats.org/officeDocument/2006/math" xmlns="" val="1"/>
+              <ma14:wrappingTextBoxFlag xmlns="" xmlns:m="http://schemas.openxmlformats.org/officeDocument/2006/math" xmlns:a14="http://schemas.microsoft.com/office/drawing/2010/main" xmlns:ma14="http://schemas.microsoft.com/office/mac/drawingml/2011/main" val="1"/>
             </a:ext>
           </a:extLst>
         </p:spPr>
@@ -40463,7 +40485,7 @@
             <a:effectLst/>
             <a:extLst>
               <a:ext uri="{C572A759-6A51-4108-AA02-DFA0A04FC94B}">
-                <ma14:wrappingTextBoxFlag xmlns:ma14="http://schemas.microsoft.com/office/mac/drawingml/2011/main" xmlns:a14="http://schemas.microsoft.com/office/drawing/2010/main" xmlns:m="http://schemas.openxmlformats.org/officeDocument/2006/math" xmlns="" val="1"/>
+                <ma14:wrappingTextBoxFlag xmlns="" xmlns:m="http://schemas.openxmlformats.org/officeDocument/2006/math" xmlns:a14="http://schemas.microsoft.com/office/drawing/2010/main" xmlns:ma14="http://schemas.microsoft.com/office/mac/drawingml/2011/main" val="1"/>
               </a:ext>
             </a:extLst>
           </p:spPr>
@@ -40611,7 +40633,7 @@
           </a:ln>
           <a:extLst>
             <a:ext uri="{C572A759-6A51-4108-AA02-DFA0A04FC94B}">
-              <ma14:wrappingTextBoxFlag xmlns:ma14="http://schemas.microsoft.com/office/mac/drawingml/2011/main" xmlns:a14="http://schemas.microsoft.com/office/drawing/2010/main" xmlns:m="http://schemas.openxmlformats.org/officeDocument/2006/math" xmlns="" val="1"/>
+              <ma14:wrappingTextBoxFlag xmlns="" xmlns:m="http://schemas.openxmlformats.org/officeDocument/2006/math" xmlns:a14="http://schemas.microsoft.com/office/drawing/2010/main" xmlns:ma14="http://schemas.microsoft.com/office/mac/drawingml/2011/main" val="1"/>
             </a:ext>
           </a:extLst>
         </p:spPr>
@@ -40678,7 +40700,7 @@
           </a:ln>
           <a:extLst>
             <a:ext uri="{C572A759-6A51-4108-AA02-DFA0A04FC94B}">
-              <ma14:wrappingTextBoxFlag xmlns:ma14="http://schemas.microsoft.com/office/mac/drawingml/2011/main" xmlns:a14="http://schemas.microsoft.com/office/drawing/2010/main" xmlns:m="http://schemas.openxmlformats.org/officeDocument/2006/math" xmlns="" val="1"/>
+              <ma14:wrappingTextBoxFlag xmlns="" xmlns:m="http://schemas.openxmlformats.org/officeDocument/2006/math" xmlns:a14="http://schemas.microsoft.com/office/drawing/2010/main" xmlns:ma14="http://schemas.microsoft.com/office/mac/drawingml/2011/main" val="1"/>
             </a:ext>
           </a:extLst>
         </p:spPr>
@@ -40759,7 +40781,7 @@
           </a:ln>
           <a:extLst>
             <a:ext uri="{C572A759-6A51-4108-AA02-DFA0A04FC94B}">
-              <ma14:wrappingTextBoxFlag xmlns:ma14="http://schemas.microsoft.com/office/mac/drawingml/2011/main" xmlns:a14="http://schemas.microsoft.com/office/drawing/2010/main" xmlns:m="http://schemas.openxmlformats.org/officeDocument/2006/math" xmlns="" val="1"/>
+              <ma14:wrappingTextBoxFlag xmlns="" xmlns:m="http://schemas.openxmlformats.org/officeDocument/2006/math" xmlns:a14="http://schemas.microsoft.com/office/drawing/2010/main" xmlns:ma14="http://schemas.microsoft.com/office/mac/drawingml/2011/main" val="1"/>
             </a:ext>
           </a:extLst>
         </p:spPr>
@@ -40817,7 +40839,7 @@
           </a:ln>
           <a:extLst>
             <a:ext uri="{C572A759-6A51-4108-AA02-DFA0A04FC94B}">
-              <ma14:wrappingTextBoxFlag xmlns:ma14="http://schemas.microsoft.com/office/mac/drawingml/2011/main" xmlns:a14="http://schemas.microsoft.com/office/drawing/2010/main" xmlns:m="http://schemas.openxmlformats.org/officeDocument/2006/math" xmlns="" val="1"/>
+              <ma14:wrappingTextBoxFlag xmlns="" xmlns:m="http://schemas.openxmlformats.org/officeDocument/2006/math" xmlns:a14="http://schemas.microsoft.com/office/drawing/2010/main" xmlns:ma14="http://schemas.microsoft.com/office/mac/drawingml/2011/main" val="1"/>
             </a:ext>
           </a:extLst>
         </p:spPr>
@@ -40864,7 +40886,7 @@
           </a:ln>
           <a:extLst>
             <a:ext uri="{C572A759-6A51-4108-AA02-DFA0A04FC94B}">
-              <ma14:wrappingTextBoxFlag xmlns:ma14="http://schemas.microsoft.com/office/mac/drawingml/2011/main" xmlns:a14="http://schemas.microsoft.com/office/drawing/2010/main" xmlns:m="http://schemas.openxmlformats.org/officeDocument/2006/math" xmlns="" val="1"/>
+              <ma14:wrappingTextBoxFlag xmlns="" xmlns:m="http://schemas.openxmlformats.org/officeDocument/2006/math" xmlns:a14="http://schemas.microsoft.com/office/drawing/2010/main" xmlns:ma14="http://schemas.microsoft.com/office/mac/drawingml/2011/main" val="1"/>
             </a:ext>
           </a:extLst>
         </p:spPr>
@@ -40911,7 +40933,7 @@
           </a:ln>
           <a:extLst>
             <a:ext uri="{C572A759-6A51-4108-AA02-DFA0A04FC94B}">
-              <ma14:wrappingTextBoxFlag xmlns:ma14="http://schemas.microsoft.com/office/mac/drawingml/2011/main" xmlns:a14="http://schemas.microsoft.com/office/drawing/2010/main" xmlns:m="http://schemas.openxmlformats.org/officeDocument/2006/math" xmlns="" val="1"/>
+              <ma14:wrappingTextBoxFlag xmlns="" xmlns:m="http://schemas.openxmlformats.org/officeDocument/2006/math" xmlns:a14="http://schemas.microsoft.com/office/drawing/2010/main" xmlns:ma14="http://schemas.microsoft.com/office/mac/drawingml/2011/main" val="1"/>
             </a:ext>
           </a:extLst>
         </p:spPr>
@@ -41122,7 +41144,7 @@
             <a:effectLst/>
             <a:extLst>
               <a:ext uri="{C572A759-6A51-4108-AA02-DFA0A04FC94B}">
-                <ma14:wrappingTextBoxFlag xmlns:ma14="http://schemas.microsoft.com/office/mac/drawingml/2011/main" xmlns:a14="http://schemas.microsoft.com/office/drawing/2010/main" xmlns:m="http://schemas.openxmlformats.org/officeDocument/2006/math" xmlns="" val="1"/>
+                <ma14:wrappingTextBoxFlag xmlns="" xmlns:m="http://schemas.openxmlformats.org/officeDocument/2006/math" xmlns:a14="http://schemas.microsoft.com/office/drawing/2010/main" xmlns:ma14="http://schemas.microsoft.com/office/mac/drawingml/2011/main" val="1"/>
               </a:ext>
             </a:extLst>
           </p:spPr>
@@ -41271,7 +41293,7 @@
           </a:ln>
           <a:extLst>
             <a:ext uri="{C572A759-6A51-4108-AA02-DFA0A04FC94B}">
-              <ma14:wrappingTextBoxFlag xmlns:ma14="http://schemas.microsoft.com/office/mac/drawingml/2011/main" xmlns:a14="http://schemas.microsoft.com/office/drawing/2010/main" xmlns:m="http://schemas.openxmlformats.org/officeDocument/2006/math" xmlns="" val="1"/>
+              <ma14:wrappingTextBoxFlag xmlns="" xmlns:m="http://schemas.openxmlformats.org/officeDocument/2006/math" xmlns:a14="http://schemas.microsoft.com/office/drawing/2010/main" xmlns:ma14="http://schemas.microsoft.com/office/mac/drawingml/2011/main" val="1"/>
             </a:ext>
           </a:extLst>
         </p:spPr>
@@ -41329,7 +41351,7 @@
           </a:ln>
           <a:extLst>
             <a:ext uri="{C572A759-6A51-4108-AA02-DFA0A04FC94B}">
-              <ma14:wrappingTextBoxFlag xmlns:ma14="http://schemas.microsoft.com/office/mac/drawingml/2011/main" xmlns:a14="http://schemas.microsoft.com/office/drawing/2010/main" xmlns:m="http://schemas.openxmlformats.org/officeDocument/2006/math" xmlns="" val="1"/>
+              <ma14:wrappingTextBoxFlag xmlns="" xmlns:m="http://schemas.openxmlformats.org/officeDocument/2006/math" xmlns:a14="http://schemas.microsoft.com/office/drawing/2010/main" xmlns:ma14="http://schemas.microsoft.com/office/mac/drawingml/2011/main" val="1"/>
             </a:ext>
           </a:extLst>
         </p:spPr>
@@ -41376,7 +41398,7 @@
           </a:ln>
           <a:extLst>
             <a:ext uri="{C572A759-6A51-4108-AA02-DFA0A04FC94B}">
-              <ma14:wrappingTextBoxFlag xmlns:ma14="http://schemas.microsoft.com/office/mac/drawingml/2011/main" xmlns:a14="http://schemas.microsoft.com/office/drawing/2010/main" xmlns:m="http://schemas.openxmlformats.org/officeDocument/2006/math" xmlns="" val="1"/>
+              <ma14:wrappingTextBoxFlag xmlns="" xmlns:m="http://schemas.openxmlformats.org/officeDocument/2006/math" xmlns:a14="http://schemas.microsoft.com/office/drawing/2010/main" xmlns:ma14="http://schemas.microsoft.com/office/mac/drawingml/2011/main" val="1"/>
             </a:ext>
           </a:extLst>
         </p:spPr>
@@ -41423,7 +41445,7 @@
           </a:ln>
           <a:extLst>
             <a:ext uri="{C572A759-6A51-4108-AA02-DFA0A04FC94B}">
-              <ma14:wrappingTextBoxFlag xmlns:ma14="http://schemas.microsoft.com/office/mac/drawingml/2011/main" xmlns:a14="http://schemas.microsoft.com/office/drawing/2010/main" xmlns:m="http://schemas.openxmlformats.org/officeDocument/2006/math" xmlns="" val="1"/>
+              <ma14:wrappingTextBoxFlag xmlns="" xmlns:m="http://schemas.openxmlformats.org/officeDocument/2006/math" xmlns:a14="http://schemas.microsoft.com/office/drawing/2010/main" xmlns:ma14="http://schemas.microsoft.com/office/mac/drawingml/2011/main" val="1"/>
             </a:ext>
           </a:extLst>
         </p:spPr>
@@ -41599,7 +41621,7 @@
             <a:effectLst/>
             <a:extLst>
               <a:ext uri="{C572A759-6A51-4108-AA02-DFA0A04FC94B}">
-                <ma14:wrappingTextBoxFlag xmlns:ma14="http://schemas.microsoft.com/office/mac/drawingml/2011/main" xmlns:a14="http://schemas.microsoft.com/office/drawing/2010/main" xmlns:m="http://schemas.openxmlformats.org/officeDocument/2006/math" xmlns="" val="1"/>
+                <ma14:wrappingTextBoxFlag xmlns="" xmlns:m="http://schemas.openxmlformats.org/officeDocument/2006/math" xmlns:a14="http://schemas.microsoft.com/office/drawing/2010/main" xmlns:ma14="http://schemas.microsoft.com/office/mac/drawingml/2011/main" val="1"/>
               </a:ext>
             </a:extLst>
           </p:spPr>
